--- a/2025_APWE_IMDA_Day1.pptx
+++ b/2025_APWE_IMDA_Day1.pptx
@@ -2,29 +2,31 @@
 <file path=ppt/presentation.xml><?xml version="1.0" encoding="utf-8"?>
 <p:presentation xmlns:a="http://schemas.openxmlformats.org/drawingml/2006/main" xmlns:r="http://schemas.openxmlformats.org/officeDocument/2006/relationships" xmlns:p="http://schemas.openxmlformats.org/presentationml/2006/main">
   <p:sldMasterIdLst>
-    <p:sldMasterId id="2147483719" r:id="rId2"/>
+    <p:sldMasterId id="2147483648" r:id="rId1"/>
   </p:sldMasterIdLst>
   <p:notesMasterIdLst>
-    <p:notesMasterId r:id="rId20"/>
+    <p:notesMasterId r:id="rId4"/>
   </p:notesMasterIdLst>
   <p:sldIdLst>
     <p:sldId id="258" r:id="rId3"/>
-    <p:sldId id="343" r:id="rId4"/>
-    <p:sldId id="402" r:id="rId5"/>
-    <p:sldId id="259" r:id="rId6"/>
-    <p:sldId id="345" r:id="rId7"/>
-    <p:sldId id="303" r:id="rId8"/>
-    <p:sldId id="358" r:id="rId9"/>
-    <p:sldId id="397" r:id="rId10"/>
-    <p:sldId id="403" r:id="rId11"/>
-    <p:sldId id="404" r:id="rId12"/>
-    <p:sldId id="391" r:id="rId13"/>
-    <p:sldId id="349" r:id="rId14"/>
-    <p:sldId id="392" r:id="rId15"/>
-    <p:sldId id="393" r:id="rId16"/>
-    <p:sldId id="395" r:id="rId17"/>
-    <p:sldId id="399" r:id="rId18"/>
-    <p:sldId id="405" r:id="rId19"/>
+    <p:sldId id="343" r:id="rId5"/>
+    <p:sldId id="402" r:id="rId6"/>
+    <p:sldId id="259" r:id="rId7"/>
+    <p:sldId id="345" r:id="rId8"/>
+    <p:sldId id="303" r:id="rId9"/>
+    <p:sldId id="358" r:id="rId10"/>
+    <p:sldId id="397" r:id="rId11"/>
+    <p:sldId id="403" r:id="rId12"/>
+    <p:sldId id="404" r:id="rId13"/>
+    <p:sldId id="391" r:id="rId14"/>
+    <p:sldId id="349" r:id="rId15"/>
+    <p:sldId id="392" r:id="rId16"/>
+    <p:sldId id="393" r:id="rId17"/>
+    <p:sldId id="395" r:id="rId18"/>
+    <p:sldId id="399" r:id="rId19"/>
+    <p:sldId id="405" r:id="rId20"/>
+    <p:sldId id="406" r:id="rId21"/>
+    <p:sldId id="407" r:id="rId22"/>
   </p:sldIdLst>
   <p:sldSz cx="13004800" cy="9753600"/>
   <p:notesSz cx="6858000" cy="9144000"/>
@@ -123,11 +125,6 @@
       </a:defRPr>
     </a:lvl9pPr>
   </p:defaultTextStyle>
-  <p:extLst>
-    <p:ext uri="{EFAFB233-063F-42B5-8137-9DF3F51BA10A}">
-      <p15:sldGuideLst xmlns:p15="http://schemas.microsoft.com/office/powerpoint/2012/main"/>
-    </p:ext>
-  </p:extLst>
 </p:presentation>
 </file>
 
@@ -175,9 +172,7 @@
         <p:txBody>
           <a:bodyPr/>
           <a:lstStyle/>
-          <a:p>
-            <a:endParaRPr/>
-          </a:p>
+          <a:p/>
         </p:txBody>
       </p:sp>
       <p:sp>
@@ -202,9 +197,7 @@
         <p:txBody>
           <a:bodyPr/>
           <a:lstStyle/>
-          <a:p>
-            <a:endParaRPr/>
-          </a:p>
+          <a:p/>
         </p:txBody>
       </p:sp>
     </p:spTree>
@@ -213,7 +206,7 @@
   <p:notesStyle>
     <a:lvl1pPr defTabSz="457200" latinLnBrk="0">
       <a:lnSpc>
-        <a:spcPct val="117999"/>
+        <a:spcPct val="118000"/>
       </a:lnSpc>
       <a:defRPr sz="2200">
         <a:latin typeface="Helvetica Neue"/>
@@ -224,7 +217,7 @@
     </a:lvl1pPr>
     <a:lvl2pPr indent="228600" defTabSz="457200" latinLnBrk="0">
       <a:lnSpc>
-        <a:spcPct val="117999"/>
+        <a:spcPct val="118000"/>
       </a:lnSpc>
       <a:defRPr sz="2200">
         <a:latin typeface="Helvetica Neue"/>
@@ -235,7 +228,7 @@
     </a:lvl2pPr>
     <a:lvl3pPr indent="457200" defTabSz="457200" latinLnBrk="0">
       <a:lnSpc>
-        <a:spcPct val="117999"/>
+        <a:spcPct val="118000"/>
       </a:lnSpc>
       <a:defRPr sz="2200">
         <a:latin typeface="Helvetica Neue"/>
@@ -246,7 +239,7 @@
     </a:lvl3pPr>
     <a:lvl4pPr indent="685800" defTabSz="457200" latinLnBrk="0">
       <a:lnSpc>
-        <a:spcPct val="117999"/>
+        <a:spcPct val="118000"/>
       </a:lnSpc>
       <a:defRPr sz="2200">
         <a:latin typeface="Helvetica Neue"/>
@@ -257,7 +250,7 @@
     </a:lvl4pPr>
     <a:lvl5pPr indent="914400" defTabSz="457200" latinLnBrk="0">
       <a:lnSpc>
-        <a:spcPct val="117999"/>
+        <a:spcPct val="118000"/>
       </a:lnSpc>
       <a:defRPr sz="2200">
         <a:latin typeface="Helvetica Neue"/>
@@ -268,7 +261,7 @@
     </a:lvl5pPr>
     <a:lvl6pPr indent="1143000" defTabSz="457200" latinLnBrk="0">
       <a:lnSpc>
-        <a:spcPct val="117999"/>
+        <a:spcPct val="118000"/>
       </a:lnSpc>
       <a:defRPr sz="2200">
         <a:latin typeface="Helvetica Neue"/>
@@ -279,7 +272,7 @@
     </a:lvl6pPr>
     <a:lvl7pPr indent="1371600" defTabSz="457200" latinLnBrk="0">
       <a:lnSpc>
-        <a:spcPct val="117999"/>
+        <a:spcPct val="118000"/>
       </a:lnSpc>
       <a:defRPr sz="2200">
         <a:latin typeface="Helvetica Neue"/>
@@ -290,7 +283,7 @@
     </a:lvl7pPr>
     <a:lvl8pPr indent="1600200" defTabSz="457200" latinLnBrk="0">
       <a:lnSpc>
-        <a:spcPct val="117999"/>
+        <a:spcPct val="118000"/>
       </a:lnSpc>
       <a:defRPr sz="2200">
         <a:latin typeface="Helvetica Neue"/>
@@ -301,7 +294,7 @@
     </a:lvl8pPr>
     <a:lvl9pPr indent="1828800" defTabSz="457200" latinLnBrk="0">
       <a:lnSpc>
-        <a:spcPct val="117999"/>
+        <a:spcPct val="118000"/>
       </a:lnSpc>
       <a:defRPr sz="2200">
         <a:latin typeface="Helvetica Neue"/>
@@ -362,15 +355,11 @@
               <a:rPr lang="en-US" dirty="0"/>
               <a:t>YWLC – Young Women Leadership Connection</a:t>
             </a:r>
+            <a:endParaRPr lang="en-US" dirty="0"/>
           </a:p>
         </p:txBody>
       </p:sp>
     </p:spTree>
-    <p:extLst>
-      <p:ext uri="{BB962C8B-B14F-4D97-AF65-F5344CB8AC3E}">
-        <p14:creationId xmlns:p14="http://schemas.microsoft.com/office/powerpoint/2010/main" val="1230801413"/>
-      </p:ext>
-    </p:extLst>
   </p:cSld>
   <p:clrMapOvr>
     <a:masterClrMapping/>
@@ -427,11 +416,6 @@
         </p:txBody>
       </p:sp>
     </p:spTree>
-    <p:extLst>
-      <p:ext uri="{BB962C8B-B14F-4D97-AF65-F5344CB8AC3E}">
-        <p14:creationId xmlns:p14="http://schemas.microsoft.com/office/powerpoint/2010/main" val="3558322453"/>
-      </p:ext>
-    </p:extLst>
   </p:cSld>
   <p:clrMapOvr>
     <a:masterClrMapping/>
@@ -444,13 +428,7 @@
   <p:cSld>
     <p:spTree>
       <p:nvGrpSpPr>
-        <p:cNvPr id="1" name="">
-          <a:extLst>
-            <a:ext uri="{FF2B5EF4-FFF2-40B4-BE49-F238E27FC236}">
-              <a16:creationId xmlns:a16="http://schemas.microsoft.com/office/drawing/2014/main" id="{7DB6D5D5-3F05-0F92-AF9A-8C2102AFF395}"/>
-            </a:ext>
-          </a:extLst>
-        </p:cNvPr>
+        <p:cNvPr id="1" name=""/>
         <p:cNvGrpSpPr/>
         <p:nvPr/>
       </p:nvGrpSpPr>
@@ -464,13 +442,7 @@
       </p:grpSpPr>
       <p:sp>
         <p:nvSpPr>
-          <p:cNvPr id="2" name="Slide Image Placeholder 1">
-            <a:extLst>
-              <a:ext uri="{FF2B5EF4-FFF2-40B4-BE49-F238E27FC236}">
-                <a16:creationId xmlns:a16="http://schemas.microsoft.com/office/drawing/2014/main" id="{FC25E272-9062-E3B8-3D9F-8F545BE151E2}"/>
-              </a:ext>
-            </a:extLst>
-          </p:cNvPr>
+          <p:cNvPr id="2" name="Slide Image Placeholder 1"/>
           <p:cNvSpPr>
             <a:spLocks noGrp="1" noRot="1" noChangeAspect="1"/>
           </p:cNvSpPr>
@@ -482,13 +454,7 @@
       </p:sp>
       <p:sp>
         <p:nvSpPr>
-          <p:cNvPr id="3" name="Notes Placeholder 2">
-            <a:extLst>
-              <a:ext uri="{FF2B5EF4-FFF2-40B4-BE49-F238E27FC236}">
-                <a16:creationId xmlns:a16="http://schemas.microsoft.com/office/drawing/2014/main" id="{AABB3D0D-F61E-62C4-C84D-D4DC204DB179}"/>
-              </a:ext>
-            </a:extLst>
-          </p:cNvPr>
+          <p:cNvPr id="3" name="Notes Placeholder 2"/>
           <p:cNvSpPr>
             <a:spLocks noGrp="1"/>
           </p:cNvSpPr>
@@ -506,11 +472,6 @@
         </p:txBody>
       </p:sp>
     </p:spTree>
-    <p:extLst>
-      <p:ext uri="{BB962C8B-B14F-4D97-AF65-F5344CB8AC3E}">
-        <p14:creationId xmlns:p14="http://schemas.microsoft.com/office/powerpoint/2010/main" val="284135303"/>
-      </p:ext>
-    </p:extLst>
   </p:cSld>
   <p:clrMapOvr>
     <a:masterClrMapping/>
@@ -519,7 +480,7 @@
 </file>
 
 <file path=ppt/slideLayouts/slideLayout1.xml><?xml version="1.0" encoding="utf-8"?>
-<p:sldLayout xmlns:a="http://schemas.openxmlformats.org/drawingml/2006/main" xmlns:r="http://schemas.openxmlformats.org/officeDocument/2006/relationships" xmlns:p="http://schemas.openxmlformats.org/presentationml/2006/main" showMasterSp="0" type="title" preserve="1">
+<p:sldLayout xmlns:a="http://schemas.openxmlformats.org/drawingml/2006/main" xmlns:r="http://schemas.openxmlformats.org/officeDocument/2006/relationships" xmlns:p="http://schemas.openxmlformats.org/presentationml/2006/main" type="title" preserve="1" showMasterSp="0">
   <p:cSld name="Title Slide">
     <p:spTree>
       <p:nvGrpSpPr>
@@ -817,7 +778,7 @@
               <a:lnSpc>
                 <a:spcPct val="80000"/>
               </a:lnSpc>
-              <a:defRPr sz="9102" b="0" cap="all" baseline="0">
+              <a:defRPr sz="9100" b="0" cap="all" baseline="0">
                 <a:blipFill dpi="0" rotWithShape="1">
                   <a:blip r:embed="rId4"/>
                   <a:srcRect/>
@@ -864,35 +825,35 @@
                 </a:solidFill>
               </a:defRPr>
             </a:lvl1pPr>
-            <a:lvl2pPr marL="650230" indent="0" algn="ctr">
+            <a:lvl2pPr marL="650240" indent="0" algn="ctr">
               <a:buNone/>
               <a:defRPr sz="2560"/>
             </a:lvl2pPr>
-            <a:lvl3pPr marL="1300460" indent="0" algn="ctr">
+            <a:lvl3pPr marL="1300480" indent="0" algn="ctr">
               <a:buNone/>
               <a:defRPr sz="2560"/>
             </a:lvl3pPr>
-            <a:lvl4pPr marL="1950690" indent="0" algn="ctr">
+            <a:lvl4pPr marL="1950720" indent="0" algn="ctr">
               <a:buNone/>
               <a:defRPr sz="2560"/>
             </a:lvl4pPr>
-            <a:lvl5pPr marL="2600919" indent="0" algn="ctr">
+            <a:lvl5pPr marL="2600960" indent="0" algn="ctr">
               <a:buNone/>
               <a:defRPr sz="2560"/>
             </a:lvl5pPr>
-            <a:lvl6pPr marL="3251149" indent="0" algn="ctr">
+            <a:lvl6pPr marL="3251200" indent="0" algn="ctr">
               <a:buNone/>
               <a:defRPr sz="2560"/>
             </a:lvl6pPr>
-            <a:lvl7pPr marL="3901379" indent="0" algn="ctr">
+            <a:lvl7pPr marL="3901440" indent="0" algn="ctr">
               <a:buNone/>
               <a:defRPr sz="2560"/>
             </a:lvl7pPr>
-            <a:lvl8pPr marL="4551609" indent="0" algn="ctr">
+            <a:lvl8pPr marL="4551680" indent="0" algn="ctr">
               <a:buNone/>
               <a:defRPr sz="2560"/>
             </a:lvl8pPr>
-            <a:lvl9pPr marL="5201839" indent="0" algn="ctr">
+            <a:lvl9pPr marL="5201920" indent="0" algn="ctr">
               <a:buNone/>
               <a:defRPr sz="2560"/>
             </a:lvl9pPr>
@@ -923,7 +884,6 @@
           <a:p>
             <a:fld id="{583A977F-2504-E741-85B4-8F01994E1F25}" type="datetimeFigureOut">
               <a:rPr lang="en-US" smtClean="0"/>
-              <a:t>6/4/2025</a:t>
             </a:fld>
             <a:endParaRPr lang="en-US" dirty="0"/>
           </a:p>
@@ -973,24 +933,18 @@
           <a:bodyPr/>
           <a:lstStyle>
             <a:lvl1pPr>
-              <a:defRPr sz="3982" b="1"/>
+              <a:defRPr sz="3980" b="1"/>
             </a:lvl1pPr>
           </a:lstStyle>
           <a:p>
             <a:fld id="{86CB4B4D-7CA3-9044-876B-883B54F8677D}" type="slidenum">
               <a:rPr lang="en-US" smtClean="0"/>
-              <a:t>‹#›</a:t>
             </a:fld>
             <a:endParaRPr lang="en-US"/>
           </a:p>
         </p:txBody>
       </p:sp>
     </p:spTree>
-    <p:extLst>
-      <p:ext uri="{BB962C8B-B14F-4D97-AF65-F5344CB8AC3E}">
-        <p14:creationId xmlns:p14="http://schemas.microsoft.com/office/powerpoint/2010/main" val="2194111804"/>
-      </p:ext>
-    </p:extLst>
   </p:cSld>
   <p:clrMapOvr>
     <a:masterClrMapping/>
@@ -1058,6 +1012,7 @@
               <a:rPr lang="en-US"/>
               <a:t>Edit Master text styles</a:t>
             </a:r>
+            <a:endParaRPr lang="en-US"/>
           </a:p>
           <a:p>
             <a:pPr lvl="1"/>
@@ -1065,6 +1020,7 @@
               <a:rPr lang="en-US"/>
               <a:t>Second level</a:t>
             </a:r>
+            <a:endParaRPr lang="en-US"/>
           </a:p>
           <a:p>
             <a:pPr lvl="2"/>
@@ -1072,6 +1028,7 @@
               <a:rPr lang="en-US"/>
               <a:t>Third level</a:t>
             </a:r>
+            <a:endParaRPr lang="en-US"/>
           </a:p>
           <a:p>
             <a:pPr lvl="3"/>
@@ -1079,6 +1036,7 @@
               <a:rPr lang="en-US"/>
               <a:t>Fourth level</a:t>
             </a:r>
+            <a:endParaRPr lang="en-US"/>
           </a:p>
           <a:p>
             <a:pPr lvl="4"/>
@@ -1107,7 +1065,6 @@
           <a:p>
             <a:fld id="{DE9A7C16-FAF2-2C41-B697-563997C522AD}" type="datetimeFigureOut">
               <a:rPr lang="en-US" smtClean="0"/>
-              <a:t>6/4/2025</a:t>
             </a:fld>
             <a:endParaRPr lang="en-US" dirty="0"/>
           </a:p>
@@ -1149,18 +1106,12 @@
           <a:p>
             <a:fld id="{86CB4B4D-7CA3-9044-876B-883B54F8677D}" type="slidenum">
               <a:rPr lang="en-US" smtClean="0"/>
-              <a:t>‹#›</a:t>
             </a:fld>
             <a:endParaRPr lang="en-US"/>
           </a:p>
         </p:txBody>
       </p:sp>
     </p:spTree>
-    <p:extLst>
-      <p:ext uri="{BB962C8B-B14F-4D97-AF65-F5344CB8AC3E}">
-        <p14:creationId xmlns:p14="http://schemas.microsoft.com/office/powerpoint/2010/main" val="2559428710"/>
-      </p:ext>
-    </p:extLst>
   </p:cSld>
   <p:clrMapOvr>
     <a:masterClrMapping/>
@@ -1242,6 +1193,7 @@
               <a:rPr lang="en-US"/>
               <a:t>Edit Master text styles</a:t>
             </a:r>
+            <a:endParaRPr lang="en-US"/>
           </a:p>
           <a:p>
             <a:pPr lvl="1"/>
@@ -1249,6 +1201,7 @@
               <a:rPr lang="en-US"/>
               <a:t>Second level</a:t>
             </a:r>
+            <a:endParaRPr lang="en-US"/>
           </a:p>
           <a:p>
             <a:pPr lvl="2"/>
@@ -1256,6 +1209,7 @@
               <a:rPr lang="en-US"/>
               <a:t>Third level</a:t>
             </a:r>
+            <a:endParaRPr lang="en-US"/>
           </a:p>
           <a:p>
             <a:pPr lvl="3"/>
@@ -1263,6 +1217,7 @@
               <a:rPr lang="en-US"/>
               <a:t>Fourth level</a:t>
             </a:r>
+            <a:endParaRPr lang="en-US"/>
           </a:p>
           <a:p>
             <a:pPr lvl="4"/>
@@ -1291,7 +1246,6 @@
           <a:p>
             <a:fld id="{0A19D9EA-0687-604F-B97A-763B6765DF9F}" type="datetimeFigureOut">
               <a:rPr lang="en-US" smtClean="0"/>
-              <a:t>6/4/2025</a:t>
             </a:fld>
             <a:endParaRPr lang="en-US" dirty="0"/>
           </a:p>
@@ -1333,18 +1287,12 @@
           <a:p>
             <a:fld id="{86CB4B4D-7CA3-9044-876B-883B54F8677D}" type="slidenum">
               <a:rPr lang="en-US" smtClean="0"/>
-              <a:t>‹#›</a:t>
             </a:fld>
             <a:endParaRPr lang="en-US"/>
           </a:p>
         </p:txBody>
       </p:sp>
     </p:spTree>
-    <p:extLst>
-      <p:ext uri="{BB962C8B-B14F-4D97-AF65-F5344CB8AC3E}">
-        <p14:creationId xmlns:p14="http://schemas.microsoft.com/office/powerpoint/2010/main" val="1689572871"/>
-      </p:ext>
-    </p:extLst>
   </p:cSld>
   <p:clrMapOvr>
     <a:masterClrMapping/>
@@ -1376,7 +1324,7 @@
             <a:spLocks noGrp="1"/>
           </p:cNvSpPr>
           <p:nvPr>
-            <p:ph type="title"/>
+            <p:ph type="title" hasCustomPrompt="1"/>
           </p:nvPr>
         </p:nvSpPr>
         <p:spPr>
@@ -1401,7 +1349,7 @@
             <a:spLocks noGrp="1"/>
           </p:cNvSpPr>
           <p:nvPr>
-            <p:ph type="body" idx="1"/>
+            <p:ph type="body" idx="1" hasCustomPrompt="1"/>
           </p:nvPr>
         </p:nvSpPr>
         <p:spPr>
@@ -1463,18 +1411,13 @@
           <a:lstStyle/>
           <a:p>
             <a:fld id="{86CB4B4D-7CA3-9044-876B-883B54F8677D}" type="slidenum">
-              <a:t>‹#›</a:t>
+              <a:rPr/>
             </a:fld>
             <a:endParaRPr/>
           </a:p>
         </p:txBody>
       </p:sp>
     </p:spTree>
-    <p:extLst>
-      <p:ext uri="{BB962C8B-B14F-4D97-AF65-F5344CB8AC3E}">
-        <p14:creationId xmlns:p14="http://schemas.microsoft.com/office/powerpoint/2010/main" val="1651413381"/>
-      </p:ext>
-    </p:extLst>
   </p:cSld>
   <p:clrMapOvr>
     <a:masterClrMapping/>
@@ -1543,6 +1486,7 @@
               <a:rPr lang="en-US"/>
               <a:t>Edit Master text styles</a:t>
             </a:r>
+            <a:endParaRPr lang="en-US"/>
           </a:p>
           <a:p>
             <a:pPr lvl="1"/>
@@ -1550,6 +1494,7 @@
               <a:rPr lang="en-US"/>
               <a:t>Second level</a:t>
             </a:r>
+            <a:endParaRPr lang="en-US"/>
           </a:p>
           <a:p>
             <a:pPr lvl="2"/>
@@ -1557,6 +1502,7 @@
               <a:rPr lang="en-US"/>
               <a:t>Third level</a:t>
             </a:r>
+            <a:endParaRPr lang="en-US"/>
           </a:p>
           <a:p>
             <a:pPr lvl="3"/>
@@ -1564,6 +1510,7 @@
               <a:rPr lang="en-US"/>
               <a:t>Fourth level</a:t>
             </a:r>
+            <a:endParaRPr lang="en-US"/>
           </a:p>
           <a:p>
             <a:pPr lvl="4"/>
@@ -1592,7 +1539,6 @@
           <a:p>
             <a:fld id="{12B9A02F-357D-AF42-B110-A7740AFDCA1B}" type="datetimeFigureOut">
               <a:rPr lang="en-US" smtClean="0"/>
-              <a:t>6/4/2025</a:t>
             </a:fld>
             <a:endParaRPr lang="en-US" dirty="0"/>
           </a:p>
@@ -1634,18 +1580,12 @@
           <a:p>
             <a:fld id="{86CB4B4D-7CA3-9044-876B-883B54F8677D}" type="slidenum">
               <a:rPr lang="en-US" smtClean="0"/>
-              <a:t>‹#›</a:t>
             </a:fld>
             <a:endParaRPr lang="en-US"/>
           </a:p>
         </p:txBody>
       </p:sp>
     </p:spTree>
-    <p:extLst>
-      <p:ext uri="{BB962C8B-B14F-4D97-AF65-F5344CB8AC3E}">
-        <p14:creationId xmlns:p14="http://schemas.microsoft.com/office/powerpoint/2010/main" val="3652029557"/>
-      </p:ext>
-    </p:extLst>
   </p:cSld>
   <p:clrMapOvr>
     <a:masterClrMapping/>
@@ -1654,7 +1594,7 @@
 </file>
 
 <file path=ppt/slideLayouts/slideLayout3.xml><?xml version="1.0" encoding="utf-8"?>
-<p:sldLayout xmlns:a="http://schemas.openxmlformats.org/drawingml/2006/main" xmlns:r="http://schemas.openxmlformats.org/officeDocument/2006/relationships" xmlns:p="http://schemas.openxmlformats.org/presentationml/2006/main" showMasterSp="0" type="secHead" preserve="1">
+<p:sldLayout xmlns:a="http://schemas.openxmlformats.org/drawingml/2006/main" xmlns:r="http://schemas.openxmlformats.org/officeDocument/2006/relationships" xmlns:p="http://schemas.openxmlformats.org/presentationml/2006/main" type="secHead" preserve="1" showMasterSp="0">
   <p:cSld name="Section Header">
     <p:spTree>
       <p:nvGrpSpPr>
@@ -1752,7 +1692,7 @@
               <a:lnSpc>
                 <a:spcPct val="80000"/>
               </a:lnSpc>
-              <a:defRPr sz="9102" b="0"/>
+              <a:defRPr sz="9100" b="0"/>
             </a:lvl1pPr>
           </a:lstStyle>
           <a:p>
@@ -1795,7 +1735,7 @@
                 </a:solidFill>
               </a:defRPr>
             </a:lvl1pPr>
-            <a:lvl2pPr marL="650230" indent="0">
+            <a:lvl2pPr marL="650240" indent="0">
               <a:buNone/>
               <a:defRPr sz="2560">
                 <a:solidFill>
@@ -1805,9 +1745,9 @@
                 </a:solidFill>
               </a:defRPr>
             </a:lvl2pPr>
-            <a:lvl3pPr marL="1300460" indent="0">
+            <a:lvl3pPr marL="1300480" indent="0">
               <a:buNone/>
-              <a:defRPr sz="2276">
+              <a:defRPr sz="2275">
                 <a:solidFill>
                   <a:schemeClr val="tx1">
                     <a:tint val="75000"/>
@@ -1815,9 +1755,9 @@
                 </a:solidFill>
               </a:defRPr>
             </a:lvl3pPr>
-            <a:lvl4pPr marL="1950690" indent="0">
+            <a:lvl4pPr marL="1950720" indent="0">
               <a:buNone/>
-              <a:defRPr sz="1991">
+              <a:defRPr sz="1990">
                 <a:solidFill>
                   <a:schemeClr val="tx1">
                     <a:tint val="75000"/>
@@ -1825,9 +1765,9 @@
                 </a:solidFill>
               </a:defRPr>
             </a:lvl4pPr>
-            <a:lvl5pPr marL="2600919" indent="0">
+            <a:lvl5pPr marL="2600960" indent="0">
               <a:buNone/>
-              <a:defRPr sz="1991">
+              <a:defRPr sz="1990">
                 <a:solidFill>
                   <a:schemeClr val="tx1">
                     <a:tint val="75000"/>
@@ -1835,9 +1775,9 @@
                 </a:solidFill>
               </a:defRPr>
             </a:lvl5pPr>
-            <a:lvl6pPr marL="3251149" indent="0">
+            <a:lvl6pPr marL="3251200" indent="0">
               <a:buNone/>
-              <a:defRPr sz="1991">
+              <a:defRPr sz="1990">
                 <a:solidFill>
                   <a:schemeClr val="tx1">
                     <a:tint val="75000"/>
@@ -1845,9 +1785,9 @@
                 </a:solidFill>
               </a:defRPr>
             </a:lvl6pPr>
-            <a:lvl7pPr marL="3901379" indent="0">
+            <a:lvl7pPr marL="3901440" indent="0">
               <a:buNone/>
-              <a:defRPr sz="1991">
+              <a:defRPr sz="1990">
                 <a:solidFill>
                   <a:schemeClr val="tx1">
                     <a:tint val="75000"/>
@@ -1855,9 +1795,9 @@
                 </a:solidFill>
               </a:defRPr>
             </a:lvl7pPr>
-            <a:lvl8pPr marL="4551609" indent="0">
+            <a:lvl8pPr marL="4551680" indent="0">
               <a:buNone/>
-              <a:defRPr sz="1991">
+              <a:defRPr sz="1990">
                 <a:solidFill>
                   <a:schemeClr val="tx1">
                     <a:tint val="75000"/>
@@ -1865,9 +1805,9 @@
                 </a:solidFill>
               </a:defRPr>
             </a:lvl8pPr>
-            <a:lvl9pPr marL="5201839" indent="0">
+            <a:lvl9pPr marL="5201920" indent="0">
               <a:buNone/>
-              <a:defRPr sz="1991">
+              <a:defRPr sz="1990">
                 <a:solidFill>
                   <a:schemeClr val="tx1">
                     <a:tint val="75000"/>
@@ -1882,6 +1822,7 @@
               <a:rPr lang="en-US"/>
               <a:t>Edit Master text styles</a:t>
             </a:r>
+            <a:endParaRPr lang="en-US"/>
           </a:p>
         </p:txBody>
       </p:sp>
@@ -1917,7 +1858,6 @@
           <a:p>
             <a:fld id="{DABB9B27-4D02-2940-AED5-BC8F2B3B1507}" type="datetimeFigureOut">
               <a:rPr lang="en-US" smtClean="0"/>
-              <a:t>6/4/2025</a:t>
             </a:fld>
             <a:endParaRPr lang="en-US" dirty="0"/>
           </a:p>
@@ -2063,24 +2003,18 @@
           <a:bodyPr/>
           <a:lstStyle>
             <a:lvl1pPr>
-              <a:defRPr sz="3982"/>
+              <a:defRPr sz="3980"/>
             </a:lvl1pPr>
           </a:lstStyle>
           <a:p>
             <a:fld id="{86CB4B4D-7CA3-9044-876B-883B54F8677D}" type="slidenum">
               <a:rPr lang="en-US" smtClean="0"/>
-              <a:t>‹#›</a:t>
             </a:fld>
             <a:endParaRPr lang="en-US"/>
           </a:p>
         </p:txBody>
       </p:sp>
     </p:spTree>
-    <p:extLst>
-      <p:ext uri="{BB962C8B-B14F-4D97-AF65-F5344CB8AC3E}">
-        <p14:creationId xmlns:p14="http://schemas.microsoft.com/office/powerpoint/2010/main" val="873934109"/>
-      </p:ext>
-    </p:extLst>
   </p:cSld>
   <p:clrMapOvr>
     <a:masterClrMapping/>
@@ -2148,31 +2082,31 @@
           <a:bodyPr/>
           <a:lstStyle>
             <a:lvl1pPr>
-              <a:defRPr sz="2844"/>
+              <a:defRPr sz="2845"/>
             </a:lvl1pPr>
             <a:lvl2pPr>
               <a:defRPr sz="2560"/>
             </a:lvl2pPr>
             <a:lvl3pPr>
-              <a:defRPr sz="2276"/>
+              <a:defRPr sz="2275"/>
             </a:lvl3pPr>
             <a:lvl4pPr>
-              <a:defRPr sz="2276"/>
+              <a:defRPr sz="2275"/>
             </a:lvl4pPr>
             <a:lvl5pPr>
-              <a:defRPr sz="2276"/>
+              <a:defRPr sz="2275"/>
             </a:lvl5pPr>
             <a:lvl6pPr>
-              <a:defRPr sz="2276"/>
+              <a:defRPr sz="2275"/>
             </a:lvl6pPr>
             <a:lvl7pPr>
-              <a:defRPr sz="2276"/>
+              <a:defRPr sz="2275"/>
             </a:lvl7pPr>
             <a:lvl8pPr>
-              <a:defRPr sz="2276"/>
+              <a:defRPr sz="2275"/>
             </a:lvl8pPr>
             <a:lvl9pPr>
-              <a:defRPr sz="2276"/>
+              <a:defRPr sz="2275"/>
             </a:lvl9pPr>
           </a:lstStyle>
           <a:p>
@@ -2181,6 +2115,7 @@
               <a:rPr lang="en-US"/>
               <a:t>Edit Master text styles</a:t>
             </a:r>
+            <a:endParaRPr lang="en-US"/>
           </a:p>
           <a:p>
             <a:pPr lvl="1"/>
@@ -2188,6 +2123,7 @@
               <a:rPr lang="en-US"/>
               <a:t>Second level</a:t>
             </a:r>
+            <a:endParaRPr lang="en-US"/>
           </a:p>
           <a:p>
             <a:pPr lvl="2"/>
@@ -2195,6 +2131,7 @@
               <a:rPr lang="en-US"/>
               <a:t>Third level</a:t>
             </a:r>
+            <a:endParaRPr lang="en-US"/>
           </a:p>
           <a:p>
             <a:pPr lvl="3"/>
@@ -2202,6 +2139,7 @@
               <a:rPr lang="en-US"/>
               <a:t>Fourth level</a:t>
             </a:r>
+            <a:endParaRPr lang="en-US"/>
           </a:p>
           <a:p>
             <a:pPr lvl="4"/>
@@ -2233,31 +2171,31 @@
           <a:bodyPr/>
           <a:lstStyle>
             <a:lvl1pPr>
-              <a:defRPr sz="2844"/>
+              <a:defRPr sz="2845"/>
             </a:lvl1pPr>
             <a:lvl2pPr>
               <a:defRPr sz="2560"/>
             </a:lvl2pPr>
             <a:lvl3pPr>
-              <a:defRPr sz="2276"/>
+              <a:defRPr sz="2275"/>
             </a:lvl3pPr>
             <a:lvl4pPr>
-              <a:defRPr sz="2276"/>
+              <a:defRPr sz="2275"/>
             </a:lvl4pPr>
             <a:lvl5pPr>
-              <a:defRPr sz="2276"/>
+              <a:defRPr sz="2275"/>
             </a:lvl5pPr>
             <a:lvl6pPr>
-              <a:defRPr sz="2276"/>
+              <a:defRPr sz="2275"/>
             </a:lvl6pPr>
             <a:lvl7pPr>
-              <a:defRPr sz="2276"/>
+              <a:defRPr sz="2275"/>
             </a:lvl7pPr>
             <a:lvl8pPr>
-              <a:defRPr sz="2276"/>
+              <a:defRPr sz="2275"/>
             </a:lvl8pPr>
             <a:lvl9pPr>
-              <a:defRPr sz="2276"/>
+              <a:defRPr sz="2275"/>
             </a:lvl9pPr>
           </a:lstStyle>
           <a:p>
@@ -2266,6 +2204,7 @@
               <a:rPr lang="en-US"/>
               <a:t>Edit Master text styles</a:t>
             </a:r>
+            <a:endParaRPr lang="en-US"/>
           </a:p>
           <a:p>
             <a:pPr lvl="1"/>
@@ -2273,6 +2212,7 @@
               <a:rPr lang="en-US"/>
               <a:t>Second level</a:t>
             </a:r>
+            <a:endParaRPr lang="en-US"/>
           </a:p>
           <a:p>
             <a:pPr lvl="2"/>
@@ -2280,6 +2220,7 @@
               <a:rPr lang="en-US"/>
               <a:t>Third level</a:t>
             </a:r>
+            <a:endParaRPr lang="en-US"/>
           </a:p>
           <a:p>
             <a:pPr lvl="3"/>
@@ -2287,6 +2228,7 @@
               <a:rPr lang="en-US"/>
               <a:t>Fourth level</a:t>
             </a:r>
+            <a:endParaRPr lang="en-US"/>
           </a:p>
           <a:p>
             <a:pPr lvl="4"/>
@@ -2315,7 +2257,6 @@
           <a:p>
             <a:fld id="{04CF7878-2C98-7449-BB8F-764A5EA8E558}" type="datetimeFigureOut">
               <a:rPr lang="en-US" smtClean="0"/>
-              <a:t>6/4/2025</a:t>
             </a:fld>
             <a:endParaRPr lang="en-US" dirty="0"/>
           </a:p>
@@ -2357,18 +2298,12 @@
           <a:p>
             <a:fld id="{86CB4B4D-7CA3-9044-876B-883B54F8677D}" type="slidenum">
               <a:rPr lang="en-US" smtClean="0"/>
-              <a:t>‹#›</a:t>
             </a:fld>
             <a:endParaRPr lang="en-US"/>
           </a:p>
         </p:txBody>
       </p:sp>
     </p:spTree>
-    <p:extLst>
-      <p:ext uri="{BB962C8B-B14F-4D97-AF65-F5344CB8AC3E}">
-        <p14:creationId xmlns:p14="http://schemas.microsoft.com/office/powerpoint/2010/main" val="170307292"/>
-      </p:ext>
-    </p:extLst>
   </p:cSld>
   <p:clrMapOvr>
     <a:masterClrMapping/>
@@ -2439,7 +2374,7 @@
           <a:lstStyle>
             <a:lvl1pPr marL="0" indent="0">
               <a:buNone/>
-              <a:defRPr sz="2844" b="1">
+              <a:defRPr sz="2845" b="1">
                 <a:solidFill>
                   <a:schemeClr val="accent1">
                     <a:lumMod val="75000"/>
@@ -2447,37 +2382,37 @@
                 </a:solidFill>
               </a:defRPr>
             </a:lvl1pPr>
-            <a:lvl2pPr marL="650230" indent="0">
+            <a:lvl2pPr marL="650240" indent="0">
               <a:buNone/>
-              <a:defRPr sz="2844" b="1"/>
+              <a:defRPr sz="2845" b="1"/>
             </a:lvl2pPr>
-            <a:lvl3pPr marL="1300460" indent="0">
+            <a:lvl3pPr marL="1300480" indent="0">
               <a:buNone/>
               <a:defRPr sz="2560" b="1"/>
             </a:lvl3pPr>
-            <a:lvl4pPr marL="1950690" indent="0">
+            <a:lvl4pPr marL="1950720" indent="0">
               <a:buNone/>
-              <a:defRPr sz="2276" b="1"/>
+              <a:defRPr sz="2275" b="1"/>
             </a:lvl4pPr>
-            <a:lvl5pPr marL="2600919" indent="0">
+            <a:lvl5pPr marL="2600960" indent="0">
               <a:buNone/>
-              <a:defRPr sz="2276" b="1"/>
+              <a:defRPr sz="2275" b="1"/>
             </a:lvl5pPr>
-            <a:lvl6pPr marL="3251149" indent="0">
+            <a:lvl6pPr marL="3251200" indent="0">
               <a:buNone/>
-              <a:defRPr sz="2276" b="1"/>
+              <a:defRPr sz="2275" b="1"/>
             </a:lvl6pPr>
-            <a:lvl7pPr marL="3901379" indent="0">
+            <a:lvl7pPr marL="3901440" indent="0">
               <a:buNone/>
-              <a:defRPr sz="2276" b="1"/>
+              <a:defRPr sz="2275" b="1"/>
             </a:lvl7pPr>
-            <a:lvl8pPr marL="4551609" indent="0">
+            <a:lvl8pPr marL="4551680" indent="0">
               <a:buNone/>
-              <a:defRPr sz="2276" b="1"/>
+              <a:defRPr sz="2275" b="1"/>
             </a:lvl8pPr>
-            <a:lvl9pPr marL="5201839" indent="0">
+            <a:lvl9pPr marL="5201920" indent="0">
               <a:buNone/>
-              <a:defRPr sz="2276" b="1"/>
+              <a:defRPr sz="2275" b="1"/>
             </a:lvl9pPr>
           </a:lstStyle>
           <a:p>
@@ -2486,6 +2421,7 @@
               <a:rPr lang="en-US"/>
               <a:t>Edit Master text styles</a:t>
             </a:r>
+            <a:endParaRPr lang="en-US"/>
           </a:p>
         </p:txBody>
       </p:sp>
@@ -2509,31 +2445,31 @@
           <a:bodyPr/>
           <a:lstStyle>
             <a:lvl1pPr>
-              <a:defRPr sz="2844"/>
+              <a:defRPr sz="2845"/>
             </a:lvl1pPr>
             <a:lvl2pPr>
               <a:defRPr sz="2560"/>
             </a:lvl2pPr>
             <a:lvl3pPr>
-              <a:defRPr sz="2276"/>
+              <a:defRPr sz="2275"/>
             </a:lvl3pPr>
             <a:lvl4pPr>
-              <a:defRPr sz="2276"/>
+              <a:defRPr sz="2275"/>
             </a:lvl4pPr>
             <a:lvl5pPr>
-              <a:defRPr sz="2276"/>
+              <a:defRPr sz="2275"/>
             </a:lvl5pPr>
             <a:lvl6pPr>
-              <a:defRPr sz="2276"/>
+              <a:defRPr sz="2275"/>
             </a:lvl6pPr>
             <a:lvl7pPr>
-              <a:defRPr sz="2276"/>
+              <a:defRPr sz="2275"/>
             </a:lvl7pPr>
             <a:lvl8pPr>
-              <a:defRPr sz="2276"/>
+              <a:defRPr sz="2275"/>
             </a:lvl8pPr>
             <a:lvl9pPr>
-              <a:defRPr sz="2276"/>
+              <a:defRPr sz="2275"/>
             </a:lvl9pPr>
           </a:lstStyle>
           <a:p>
@@ -2542,6 +2478,7 @@
               <a:rPr lang="en-US"/>
               <a:t>Edit Master text styles</a:t>
             </a:r>
+            <a:endParaRPr lang="en-US"/>
           </a:p>
           <a:p>
             <a:pPr lvl="1"/>
@@ -2549,6 +2486,7 @@
               <a:rPr lang="en-US"/>
               <a:t>Second level</a:t>
             </a:r>
+            <a:endParaRPr lang="en-US"/>
           </a:p>
           <a:p>
             <a:pPr lvl="2"/>
@@ -2556,6 +2494,7 @@
               <a:rPr lang="en-US"/>
               <a:t>Third level</a:t>
             </a:r>
+            <a:endParaRPr lang="en-US"/>
           </a:p>
           <a:p>
             <a:pPr lvl="3"/>
@@ -2563,6 +2502,7 @@
               <a:rPr lang="en-US"/>
               <a:t>Fourth level</a:t>
             </a:r>
+            <a:endParaRPr lang="en-US"/>
           </a:p>
           <a:p>
             <a:pPr lvl="4"/>
@@ -2597,7 +2537,7 @@
           <a:lstStyle>
             <a:lvl1pPr marL="0" indent="0">
               <a:buNone/>
-              <a:defRPr sz="2844" b="1">
+              <a:defRPr sz="2845" b="1">
                 <a:solidFill>
                   <a:schemeClr val="accent1">
                     <a:lumMod val="75000"/>
@@ -2605,37 +2545,37 @@
                 </a:solidFill>
               </a:defRPr>
             </a:lvl1pPr>
-            <a:lvl2pPr marL="650230" indent="0">
+            <a:lvl2pPr marL="650240" indent="0">
               <a:buNone/>
-              <a:defRPr sz="2844" b="1"/>
+              <a:defRPr sz="2845" b="1"/>
             </a:lvl2pPr>
-            <a:lvl3pPr marL="1300460" indent="0">
+            <a:lvl3pPr marL="1300480" indent="0">
               <a:buNone/>
               <a:defRPr sz="2560" b="1"/>
             </a:lvl3pPr>
-            <a:lvl4pPr marL="1950690" indent="0">
+            <a:lvl4pPr marL="1950720" indent="0">
               <a:buNone/>
-              <a:defRPr sz="2276" b="1"/>
+              <a:defRPr sz="2275" b="1"/>
             </a:lvl4pPr>
-            <a:lvl5pPr marL="2600919" indent="0">
+            <a:lvl5pPr marL="2600960" indent="0">
               <a:buNone/>
-              <a:defRPr sz="2276" b="1"/>
+              <a:defRPr sz="2275" b="1"/>
             </a:lvl5pPr>
-            <a:lvl6pPr marL="3251149" indent="0">
+            <a:lvl6pPr marL="3251200" indent="0">
               <a:buNone/>
-              <a:defRPr sz="2276" b="1"/>
+              <a:defRPr sz="2275" b="1"/>
             </a:lvl6pPr>
-            <a:lvl7pPr marL="3901379" indent="0">
+            <a:lvl7pPr marL="3901440" indent="0">
               <a:buNone/>
-              <a:defRPr sz="2276" b="1"/>
+              <a:defRPr sz="2275" b="1"/>
             </a:lvl7pPr>
-            <a:lvl8pPr marL="4551609" indent="0">
+            <a:lvl8pPr marL="4551680" indent="0">
               <a:buNone/>
-              <a:defRPr sz="2276" b="1"/>
+              <a:defRPr sz="2275" b="1"/>
             </a:lvl8pPr>
-            <a:lvl9pPr marL="5201839" indent="0">
+            <a:lvl9pPr marL="5201920" indent="0">
               <a:buNone/>
-              <a:defRPr sz="2276" b="1"/>
+              <a:defRPr sz="2275" b="1"/>
             </a:lvl9pPr>
           </a:lstStyle>
           <a:p>
@@ -2644,6 +2584,7 @@
               <a:rPr lang="en-US"/>
               <a:t>Edit Master text styles</a:t>
             </a:r>
+            <a:endParaRPr lang="en-US"/>
           </a:p>
         </p:txBody>
       </p:sp>
@@ -2667,31 +2608,31 @@
           <a:bodyPr/>
           <a:lstStyle>
             <a:lvl1pPr>
-              <a:defRPr sz="2844"/>
+              <a:defRPr sz="2845"/>
             </a:lvl1pPr>
             <a:lvl2pPr>
               <a:defRPr sz="2560"/>
             </a:lvl2pPr>
             <a:lvl3pPr>
-              <a:defRPr sz="2276"/>
+              <a:defRPr sz="2275"/>
             </a:lvl3pPr>
             <a:lvl4pPr>
-              <a:defRPr sz="2276"/>
+              <a:defRPr sz="2275"/>
             </a:lvl4pPr>
             <a:lvl5pPr>
-              <a:defRPr sz="2276"/>
+              <a:defRPr sz="2275"/>
             </a:lvl5pPr>
             <a:lvl6pPr>
-              <a:defRPr sz="2276"/>
+              <a:defRPr sz="2275"/>
             </a:lvl6pPr>
             <a:lvl7pPr>
-              <a:defRPr sz="2276"/>
+              <a:defRPr sz="2275"/>
             </a:lvl7pPr>
             <a:lvl8pPr>
-              <a:defRPr sz="2276"/>
+              <a:defRPr sz="2275"/>
             </a:lvl8pPr>
             <a:lvl9pPr>
-              <a:defRPr sz="2276"/>
+              <a:defRPr sz="2275"/>
             </a:lvl9pPr>
           </a:lstStyle>
           <a:p>
@@ -2700,6 +2641,7 @@
               <a:rPr lang="en-US"/>
               <a:t>Edit Master text styles</a:t>
             </a:r>
+            <a:endParaRPr lang="en-US"/>
           </a:p>
           <a:p>
             <a:pPr lvl="1"/>
@@ -2707,6 +2649,7 @@
               <a:rPr lang="en-US"/>
               <a:t>Second level</a:t>
             </a:r>
+            <a:endParaRPr lang="en-US"/>
           </a:p>
           <a:p>
             <a:pPr lvl="2"/>
@@ -2714,6 +2657,7 @@
               <a:rPr lang="en-US"/>
               <a:t>Third level</a:t>
             </a:r>
+            <a:endParaRPr lang="en-US"/>
           </a:p>
           <a:p>
             <a:pPr lvl="3"/>
@@ -2721,6 +2665,7 @@
               <a:rPr lang="en-US"/>
               <a:t>Fourth level</a:t>
             </a:r>
+            <a:endParaRPr lang="en-US"/>
           </a:p>
           <a:p>
             <a:pPr lvl="4"/>
@@ -2749,7 +2694,6 @@
           <a:p>
             <a:fld id="{E6D2F403-9584-1749-B6AB-5E1C5F94527C}" type="datetimeFigureOut">
               <a:rPr lang="en-US" smtClean="0"/>
-              <a:t>6/4/2025</a:t>
             </a:fld>
             <a:endParaRPr lang="en-US" dirty="0"/>
           </a:p>
@@ -2791,18 +2735,12 @@
           <a:p>
             <a:fld id="{86CB4B4D-7CA3-9044-876B-883B54F8677D}" type="slidenum">
               <a:rPr lang="en-US" smtClean="0"/>
-              <a:t>‹#›</a:t>
             </a:fld>
             <a:endParaRPr lang="en-US"/>
           </a:p>
         </p:txBody>
       </p:sp>
     </p:spTree>
-    <p:extLst>
-      <p:ext uri="{BB962C8B-B14F-4D97-AF65-F5344CB8AC3E}">
-        <p14:creationId xmlns:p14="http://schemas.microsoft.com/office/powerpoint/2010/main" val="1191047618"/>
-      </p:ext>
-    </p:extLst>
   </p:cSld>
   <p:clrMapOvr>
     <a:masterClrMapping/>
@@ -2877,7 +2815,6 @@
           <a:p>
             <a:fld id="{A58C0351-EB03-5444-BA93-B7E778374E24}" type="datetimeFigureOut">
               <a:rPr lang="en-US" smtClean="0"/>
-              <a:t>6/4/2025</a:t>
             </a:fld>
             <a:endParaRPr lang="en-US" dirty="0"/>
           </a:p>
@@ -2929,18 +2866,12 @@
           <a:p>
             <a:fld id="{86CB4B4D-7CA3-9044-876B-883B54F8677D}" type="slidenum">
               <a:rPr lang="en-US" smtClean="0"/>
-              <a:t>‹#›</a:t>
             </a:fld>
             <a:endParaRPr lang="en-US"/>
           </a:p>
         </p:txBody>
       </p:sp>
     </p:spTree>
-    <p:extLst>
-      <p:ext uri="{BB962C8B-B14F-4D97-AF65-F5344CB8AC3E}">
-        <p14:creationId xmlns:p14="http://schemas.microsoft.com/office/powerpoint/2010/main" val="2372483805"/>
-      </p:ext>
-    </p:extLst>
   </p:cSld>
   <p:clrMapOvr>
     <a:masterClrMapping/>
@@ -2982,7 +2913,6 @@
           <a:p>
             <a:fld id="{A7EADB90-FF7E-5041-AB9F-1BC0957AB829}" type="datetimeFigureOut">
               <a:rPr lang="en-US" smtClean="0"/>
-              <a:t>6/4/2025</a:t>
             </a:fld>
             <a:endParaRPr lang="en-US" dirty="0"/>
           </a:p>
@@ -3024,18 +2954,12 @@
           <a:p>
             <a:fld id="{86CB4B4D-7CA3-9044-876B-883B54F8677D}" type="slidenum">
               <a:rPr lang="en-US" smtClean="0"/>
-              <a:t>‹#›</a:t>
             </a:fld>
             <a:endParaRPr lang="en-US"/>
           </a:p>
         </p:txBody>
       </p:sp>
     </p:spTree>
-    <p:extLst>
-      <p:ext uri="{BB962C8B-B14F-4D97-AF65-F5344CB8AC3E}">
-        <p14:creationId xmlns:p14="http://schemas.microsoft.com/office/powerpoint/2010/main" val="3300769077"/>
-      </p:ext>
-    </p:extLst>
   </p:cSld>
   <p:clrMapOvr>
     <a:masterClrMapping/>
@@ -3044,7 +2968,7 @@
 </file>
 
 <file path=ppt/slideLayouts/slideLayout8.xml><?xml version="1.0" encoding="utf-8"?>
-<p:sldLayout xmlns:a="http://schemas.openxmlformats.org/drawingml/2006/main" xmlns:r="http://schemas.openxmlformats.org/officeDocument/2006/relationships" xmlns:p="http://schemas.openxmlformats.org/presentationml/2006/main" showMasterSp="0" type="objTx" preserve="1">
+<p:sldLayout xmlns:a="http://schemas.openxmlformats.org/drawingml/2006/main" xmlns:r="http://schemas.openxmlformats.org/officeDocument/2006/relationships" xmlns:p="http://schemas.openxmlformats.org/presentationml/2006/main" type="objTx" preserve="1" showMasterSp="0">
   <p:cSld name="Content with Caption">
     <p:spTree>
       <p:nvGrpSpPr>
@@ -3139,7 +3063,7 @@
           </a:bodyPr>
           <a:lstStyle>
             <a:lvl1pPr>
-              <a:defRPr sz="3982" b="0"/>
+              <a:defRPr sz="3980" b="0"/>
             </a:lvl1pPr>
           </a:lstStyle>
           <a:p>
@@ -3171,31 +3095,31 @@
           <a:bodyPr/>
           <a:lstStyle>
             <a:lvl1pPr>
-              <a:defRPr sz="2844"/>
+              <a:defRPr sz="2845"/>
             </a:lvl1pPr>
             <a:lvl2pPr>
               <a:defRPr sz="2560"/>
             </a:lvl2pPr>
             <a:lvl3pPr>
-              <a:defRPr sz="2276"/>
+              <a:defRPr sz="2275"/>
             </a:lvl3pPr>
             <a:lvl4pPr>
-              <a:defRPr sz="2276"/>
+              <a:defRPr sz="2275"/>
             </a:lvl4pPr>
             <a:lvl5pPr>
-              <a:defRPr sz="2276"/>
+              <a:defRPr sz="2275"/>
             </a:lvl5pPr>
             <a:lvl6pPr>
-              <a:defRPr sz="2276"/>
+              <a:defRPr sz="2275"/>
             </a:lvl6pPr>
             <a:lvl7pPr>
-              <a:defRPr sz="2276"/>
+              <a:defRPr sz="2275"/>
             </a:lvl7pPr>
             <a:lvl8pPr>
-              <a:defRPr sz="2276"/>
+              <a:defRPr sz="2275"/>
             </a:lvl8pPr>
             <a:lvl9pPr>
-              <a:defRPr sz="2276"/>
+              <a:defRPr sz="2275"/>
             </a:lvl9pPr>
           </a:lstStyle>
           <a:p>
@@ -3204,6 +3128,7 @@
               <a:rPr lang="en-US"/>
               <a:t>Edit Master text styles</a:t>
             </a:r>
+            <a:endParaRPr lang="en-US"/>
           </a:p>
           <a:p>
             <a:pPr lvl="1"/>
@@ -3211,6 +3136,7 @@
               <a:rPr lang="en-US"/>
               <a:t>Second level</a:t>
             </a:r>
+            <a:endParaRPr lang="en-US"/>
           </a:p>
           <a:p>
             <a:pPr lvl="2"/>
@@ -3218,6 +3144,7 @@
               <a:rPr lang="en-US"/>
               <a:t>Third level</a:t>
             </a:r>
+            <a:endParaRPr lang="en-US"/>
           </a:p>
           <a:p>
             <a:pPr lvl="3"/>
@@ -3225,6 +3152,7 @@
               <a:rPr lang="en-US"/>
               <a:t>Fourth level</a:t>
             </a:r>
+            <a:endParaRPr lang="en-US"/>
           </a:p>
           <a:p>
             <a:pPr lvl="4"/>
@@ -3262,7 +3190,7 @@
                 <a:spcPct val="100000"/>
               </a:lnSpc>
               <a:spcBef>
-                <a:spcPts val="1422"/>
+                <a:spcPts val="1420"/>
               </a:spcBef>
               <a:buNone/>
               <a:defRPr sz="1920">
@@ -3273,35 +3201,35 @@
                 </a:solidFill>
               </a:defRPr>
             </a:lvl1pPr>
-            <a:lvl2pPr marL="650230" indent="0">
+            <a:lvl2pPr marL="650240" indent="0">
               <a:buNone/>
-              <a:defRPr sz="1707"/>
+              <a:defRPr sz="1705"/>
             </a:lvl2pPr>
-            <a:lvl3pPr marL="1300460" indent="0">
+            <a:lvl3pPr marL="1300480" indent="0">
               <a:buNone/>
-              <a:defRPr sz="1422"/>
+              <a:defRPr sz="1420"/>
             </a:lvl3pPr>
-            <a:lvl4pPr marL="1950690" indent="0">
+            <a:lvl4pPr marL="1950720" indent="0">
               <a:buNone/>
               <a:defRPr sz="1280"/>
             </a:lvl4pPr>
-            <a:lvl5pPr marL="2600919" indent="0">
+            <a:lvl5pPr marL="2600960" indent="0">
               <a:buNone/>
               <a:defRPr sz="1280"/>
             </a:lvl5pPr>
-            <a:lvl6pPr marL="3251149" indent="0">
+            <a:lvl6pPr marL="3251200" indent="0">
               <a:buNone/>
               <a:defRPr sz="1280"/>
             </a:lvl6pPr>
-            <a:lvl7pPr marL="3901379" indent="0">
+            <a:lvl7pPr marL="3901440" indent="0">
               <a:buNone/>
               <a:defRPr sz="1280"/>
             </a:lvl7pPr>
-            <a:lvl8pPr marL="4551609" indent="0">
+            <a:lvl8pPr marL="4551680" indent="0">
               <a:buNone/>
               <a:defRPr sz="1280"/>
             </a:lvl8pPr>
-            <a:lvl9pPr marL="5201839" indent="0">
+            <a:lvl9pPr marL="5201920" indent="0">
               <a:buNone/>
               <a:defRPr sz="1280"/>
             </a:lvl9pPr>
@@ -3312,6 +3240,7 @@
               <a:rPr lang="en-US"/>
               <a:t>Edit Master text styles</a:t>
             </a:r>
+            <a:endParaRPr lang="en-US"/>
           </a:p>
         </p:txBody>
       </p:sp>
@@ -3359,10 +3288,10 @@
                     <a14:imgProps xmlns:a14="http://schemas.microsoft.com/office/drawing/2010/main">
                       <a14:imgLayer r:embed="rId5">
                         <a14:imgEffect>
-                          <a14:saturation sat="95000"/>
+                          <a14:brightnessContrast bright="-40000" contrast="20000"/>
                         </a14:imgEffect>
                         <a14:imgEffect>
-                          <a14:brightnessContrast bright="-40000" contrast="20000"/>
+                          <a14:saturation sat="95000"/>
                         </a14:imgEffect>
                       </a14:imgLayer>
                     </a14:imgProps>
@@ -3423,7 +3352,6 @@
           <a:p>
             <a:fld id="{C1EB8CB6-48D8-4E47-B0D3-B56230F429D0}" type="datetimeFigureOut">
               <a:rPr lang="en-US" smtClean="0"/>
-              <a:t>6/4/2025</a:t>
             </a:fld>
             <a:endParaRPr lang="en-US" dirty="0"/>
           </a:p>
@@ -3465,18 +3393,12 @@
           <a:p>
             <a:fld id="{86CB4B4D-7CA3-9044-876B-883B54F8677D}" type="slidenum">
               <a:rPr lang="en-US" smtClean="0"/>
-              <a:t>‹#›</a:t>
             </a:fld>
             <a:endParaRPr lang="en-US"/>
           </a:p>
         </p:txBody>
       </p:sp>
     </p:spTree>
-    <p:extLst>
-      <p:ext uri="{BB962C8B-B14F-4D97-AF65-F5344CB8AC3E}">
-        <p14:creationId xmlns:p14="http://schemas.microsoft.com/office/powerpoint/2010/main" val="1645265192"/>
-      </p:ext>
-    </p:extLst>
   </p:cSld>
   <p:clrMapOvr>
     <a:masterClrMapping/>
@@ -3485,7 +3407,7 @@
 </file>
 
 <file path=ppt/slideLayouts/slideLayout9.xml><?xml version="1.0" encoding="utf-8"?>
-<p:sldLayout xmlns:a="http://schemas.openxmlformats.org/drawingml/2006/main" xmlns:r="http://schemas.openxmlformats.org/officeDocument/2006/relationships" xmlns:p="http://schemas.openxmlformats.org/presentationml/2006/main" showMasterSp="0" type="picTx" preserve="1">
+<p:sldLayout xmlns:a="http://schemas.openxmlformats.org/drawingml/2006/main" xmlns:r="http://schemas.openxmlformats.org/officeDocument/2006/relationships" xmlns:p="http://schemas.openxmlformats.org/presentationml/2006/main" type="picTx" preserve="1" showMasterSp="0">
   <p:cSld name="Picture with Caption">
     <p:spTree>
       <p:nvGrpSpPr>
@@ -3580,7 +3502,7 @@
           </a:bodyPr>
           <a:lstStyle>
             <a:lvl1pPr>
-              <a:defRPr sz="3982" b="0"/>
+              <a:defRPr sz="3980" b="0"/>
             </a:lvl1pPr>
           </a:lstStyle>
           <a:p>
@@ -3619,39 +3541,39 @@
           <a:lstStyle>
             <a:lvl1pPr marL="0" indent="0">
               <a:buNone/>
-              <a:defRPr sz="4551"/>
+              <a:defRPr sz="4550"/>
             </a:lvl1pPr>
-            <a:lvl2pPr marL="650230" indent="0">
+            <a:lvl2pPr marL="650240" indent="0">
               <a:buNone/>
-              <a:defRPr sz="3982"/>
+              <a:defRPr sz="3980"/>
             </a:lvl2pPr>
-            <a:lvl3pPr marL="1300460" indent="0">
+            <a:lvl3pPr marL="1300480" indent="0">
               <a:buNone/>
-              <a:defRPr sz="3413"/>
+              <a:defRPr sz="3415"/>
             </a:lvl3pPr>
-            <a:lvl4pPr marL="1950690" indent="0">
+            <a:lvl4pPr marL="1950720" indent="0">
               <a:buNone/>
-              <a:defRPr sz="2844"/>
+              <a:defRPr sz="2845"/>
             </a:lvl4pPr>
-            <a:lvl5pPr marL="2600919" indent="0">
+            <a:lvl5pPr marL="2600960" indent="0">
               <a:buNone/>
-              <a:defRPr sz="2844"/>
+              <a:defRPr sz="2845"/>
             </a:lvl5pPr>
-            <a:lvl6pPr marL="3251149" indent="0">
+            <a:lvl6pPr marL="3251200" indent="0">
               <a:buNone/>
-              <a:defRPr sz="2844"/>
+              <a:defRPr sz="2845"/>
             </a:lvl6pPr>
-            <a:lvl7pPr marL="3901379" indent="0">
+            <a:lvl7pPr marL="3901440" indent="0">
               <a:buNone/>
-              <a:defRPr sz="2844"/>
+              <a:defRPr sz="2845"/>
             </a:lvl7pPr>
-            <a:lvl8pPr marL="4551609" indent="0">
+            <a:lvl8pPr marL="4551680" indent="0">
               <a:buNone/>
-              <a:defRPr sz="2844"/>
+              <a:defRPr sz="2845"/>
             </a:lvl8pPr>
-            <a:lvl9pPr marL="5201839" indent="0">
+            <a:lvl9pPr marL="5201920" indent="0">
               <a:buNone/>
-              <a:defRPr sz="2844"/>
+              <a:defRPr sz="2845"/>
             </a:lvl9pPr>
           </a:lstStyle>
           <a:p>
@@ -3689,7 +3611,7 @@
                 <a:spcPct val="100000"/>
               </a:lnSpc>
               <a:spcBef>
-                <a:spcPts val="1422"/>
+                <a:spcPts val="1420"/>
               </a:spcBef>
               <a:buNone/>
               <a:defRPr sz="1920">
@@ -3700,35 +3622,35 @@
                 </a:solidFill>
               </a:defRPr>
             </a:lvl1pPr>
-            <a:lvl2pPr marL="650230" indent="0">
+            <a:lvl2pPr marL="650240" indent="0">
               <a:buNone/>
-              <a:defRPr sz="1707"/>
+              <a:defRPr sz="1705"/>
             </a:lvl2pPr>
-            <a:lvl3pPr marL="1300460" indent="0">
+            <a:lvl3pPr marL="1300480" indent="0">
               <a:buNone/>
-              <a:defRPr sz="1422"/>
+              <a:defRPr sz="1420"/>
             </a:lvl3pPr>
-            <a:lvl4pPr marL="1950690" indent="0">
+            <a:lvl4pPr marL="1950720" indent="0">
               <a:buNone/>
               <a:defRPr sz="1280"/>
             </a:lvl4pPr>
-            <a:lvl5pPr marL="2600919" indent="0">
+            <a:lvl5pPr marL="2600960" indent="0">
               <a:buNone/>
               <a:defRPr sz="1280"/>
             </a:lvl5pPr>
-            <a:lvl6pPr marL="3251149" indent="0">
+            <a:lvl6pPr marL="3251200" indent="0">
               <a:buNone/>
               <a:defRPr sz="1280"/>
             </a:lvl6pPr>
-            <a:lvl7pPr marL="3901379" indent="0">
+            <a:lvl7pPr marL="3901440" indent="0">
               <a:buNone/>
               <a:defRPr sz="1280"/>
             </a:lvl7pPr>
-            <a:lvl8pPr marL="4551609" indent="0">
+            <a:lvl8pPr marL="4551680" indent="0">
               <a:buNone/>
               <a:defRPr sz="1280"/>
             </a:lvl8pPr>
-            <a:lvl9pPr marL="5201839" indent="0">
+            <a:lvl9pPr marL="5201920" indent="0">
               <a:buNone/>
               <a:defRPr sz="1280"/>
             </a:lvl9pPr>
@@ -3739,6 +3661,7 @@
               <a:rPr lang="en-US"/>
               <a:t>Edit Master text styles</a:t>
             </a:r>
+            <a:endParaRPr lang="en-US"/>
           </a:p>
         </p:txBody>
       </p:sp>
@@ -3786,10 +3709,10 @@
                     <a14:imgProps xmlns:a14="http://schemas.microsoft.com/office/drawing/2010/main">
                       <a14:imgLayer r:embed="rId5">
                         <a14:imgEffect>
-                          <a14:saturation sat="95000"/>
+                          <a14:brightnessContrast bright="-40000" contrast="20000"/>
                         </a14:imgEffect>
                         <a14:imgEffect>
-                          <a14:brightnessContrast bright="-40000" contrast="20000"/>
+                          <a14:saturation sat="95000"/>
                         </a14:imgEffect>
                       </a14:imgLayer>
                     </a14:imgProps>
@@ -3850,7 +3773,6 @@
           <a:p>
             <a:fld id="{4EF716D3-DCE8-CC45-8106-AE5DFCD073F9}" type="datetimeFigureOut">
               <a:rPr lang="en-US" smtClean="0"/>
-              <a:t>6/4/2025</a:t>
             </a:fld>
             <a:endParaRPr lang="en-US" dirty="0"/>
           </a:p>
@@ -3873,18 +3795,12 @@
           <a:p>
             <a:fld id="{86CB4B4D-7CA3-9044-876B-883B54F8677D}" type="slidenum">
               <a:rPr lang="en-US" smtClean="0"/>
-              <a:t>‹#›</a:t>
             </a:fld>
             <a:endParaRPr lang="en-US"/>
           </a:p>
         </p:txBody>
       </p:sp>
     </p:spTree>
-    <p:extLst>
-      <p:ext uri="{BB962C8B-B14F-4D97-AF65-F5344CB8AC3E}">
-        <p14:creationId xmlns:p14="http://schemas.microsoft.com/office/powerpoint/2010/main" val="4012134407"/>
-      </p:ext>
-    </p:extLst>
   </p:cSld>
   <p:clrMapOvr>
     <a:masterClrMapping/>
@@ -3945,7 +3861,7 @@
               <a:avLst/>
             </a:prstGeom>
             <a:blipFill dpi="0" rotWithShape="1">
-              <a:blip r:embed="rId14">
+              <a:blip r:embed="rId13">
                 <a:duotone>
                   <a:schemeClr val="accent1">
                     <a:shade val="45000"/>
@@ -3956,12 +3872,12 @@
                 <a:extLst>
                   <a:ext uri="{BEBA8EAE-BF5A-486C-A8C5-ECC9F3942E4B}">
                     <a14:imgProps xmlns:a14="http://schemas.microsoft.com/office/drawing/2010/main">
-                      <a14:imgLayer r:embed="rId15">
+                      <a14:imgLayer r:embed="rId14">
+                        <a14:imgEffect>
+                          <a14:brightnessContrast bright="-40000" contrast="20000"/>
+                        </a14:imgEffect>
                         <a14:imgEffect>
                           <a14:saturation sat="95000"/>
-                        </a14:imgEffect>
-                        <a14:imgEffect>
-                          <a14:brightnessContrast bright="-40000" contrast="20000"/>
                         </a14:imgEffect>
                       </a14:imgLayer>
                     </a14:imgProps>
@@ -4068,6 +3984,7 @@
               <a:rPr lang="en-US"/>
               <a:t>Edit Master text styles</a:t>
             </a:r>
+            <a:endParaRPr lang="en-US"/>
           </a:p>
           <a:p>
             <a:pPr lvl="1"/>
@@ -4075,6 +3992,7 @@
               <a:rPr lang="en-US"/>
               <a:t>Second level</a:t>
             </a:r>
+            <a:endParaRPr lang="en-US"/>
           </a:p>
           <a:p>
             <a:pPr lvl="2"/>
@@ -4082,6 +4000,7 @@
               <a:rPr lang="en-US"/>
               <a:t>Third level</a:t>
             </a:r>
+            <a:endParaRPr lang="en-US"/>
           </a:p>
           <a:p>
             <a:pPr lvl="3"/>
@@ -4089,6 +4008,7 @@
               <a:rPr lang="en-US"/>
               <a:t>Fourth level</a:t>
             </a:r>
+            <a:endParaRPr lang="en-US"/>
           </a:p>
           <a:p>
             <a:pPr lvl="4"/>
@@ -4123,7 +4043,7 @@
           <a:bodyPr vert="horz" lIns="91440" tIns="45720" rIns="91440" bIns="45720" rtlCol="0" anchor="ctr"/>
           <a:lstStyle>
             <a:lvl1pPr algn="r">
-              <a:defRPr sz="1422">
+              <a:defRPr sz="1420">
                 <a:solidFill>
                   <a:schemeClr val="accent1">
                     <a:lumMod val="50000"/>
@@ -4135,7 +4055,6 @@
           <a:p>
             <a:fld id="{4D9FFFB4-400D-1240-AB24-6F86C96D4DFB}" type="datetimeFigureOut">
               <a:rPr lang="en-US" smtClean="0"/>
-              <a:t>6/4/2025</a:t>
             </a:fld>
             <a:endParaRPr lang="en-US" dirty="0"/>
           </a:p>
@@ -4164,7 +4083,7 @@
           <a:bodyPr vert="horz" lIns="91440" tIns="45720" rIns="91440" bIns="45720" rtlCol="0" anchor="ctr"/>
           <a:lstStyle>
             <a:lvl1pPr algn="l">
-              <a:defRPr sz="1422">
+              <a:defRPr sz="1420">
                 <a:solidFill>
                   <a:schemeClr val="accent1">
                     <a:lumMod val="50000"/>
@@ -4201,7 +4120,7 @@
           <a:bodyPr vert="horz" lIns="91440" tIns="45720" rIns="91440" bIns="45720" rtlCol="0" anchor="ctr"/>
           <a:lstStyle>
             <a:lvl1pPr algn="ctr">
-              <a:defRPr sz="1564" b="1" spc="-100" baseline="0">
+              <a:defRPr sz="1565" b="1" spc="-100" baseline="0">
                 <a:solidFill>
                   <a:srgbClr val="FFFFFF"/>
                 </a:solidFill>
@@ -4212,37 +4131,31 @@
           <a:p>
             <a:fld id="{86CB4B4D-7CA3-9044-876B-883B54F8677D}" type="slidenum">
               <a:rPr lang="en-US" smtClean="0"/>
-              <a:t>‹#›</a:t>
             </a:fld>
             <a:endParaRPr lang="en-US"/>
           </a:p>
         </p:txBody>
       </p:sp>
     </p:spTree>
-    <p:extLst>
-      <p:ext uri="{BB962C8B-B14F-4D97-AF65-F5344CB8AC3E}">
-        <p14:creationId xmlns:p14="http://schemas.microsoft.com/office/powerpoint/2010/main" val="1185817933"/>
-      </p:ext>
-    </p:extLst>
   </p:cSld>
   <p:clrMap bg1="lt1" tx1="dk1" bg2="lt2" tx2="dk2" accent1="accent1" accent2="accent2" accent3="accent3" accent4="accent4" accent5="accent5" accent6="accent6" hlink="hlink" folHlink="folHlink"/>
   <p:sldLayoutIdLst>
-    <p:sldLayoutId id="2147483720" r:id="rId1"/>
-    <p:sldLayoutId id="2147483721" r:id="rId2"/>
-    <p:sldLayoutId id="2147483722" r:id="rId3"/>
-    <p:sldLayoutId id="2147483723" r:id="rId4"/>
-    <p:sldLayoutId id="2147483724" r:id="rId5"/>
-    <p:sldLayoutId id="2147483725" r:id="rId6"/>
-    <p:sldLayoutId id="2147483726" r:id="rId7"/>
-    <p:sldLayoutId id="2147483727" r:id="rId8"/>
-    <p:sldLayoutId id="2147483728" r:id="rId9"/>
-    <p:sldLayoutId id="2147483729" r:id="rId10"/>
-    <p:sldLayoutId id="2147483730" r:id="rId11"/>
-    <p:sldLayoutId id="2147483731" r:id="rId12"/>
+    <p:sldLayoutId id="2147483649" r:id="rId1"/>
+    <p:sldLayoutId id="2147483650" r:id="rId2"/>
+    <p:sldLayoutId id="2147483651" r:id="rId3"/>
+    <p:sldLayoutId id="2147483652" r:id="rId4"/>
+    <p:sldLayoutId id="2147483653" r:id="rId5"/>
+    <p:sldLayoutId id="2147483654" r:id="rId6"/>
+    <p:sldLayoutId id="2147483655" r:id="rId7"/>
+    <p:sldLayoutId id="2147483656" r:id="rId8"/>
+    <p:sldLayoutId id="2147483657" r:id="rId9"/>
+    <p:sldLayoutId id="2147483658" r:id="rId10"/>
+    <p:sldLayoutId id="2147483659" r:id="rId11"/>
+    <p:sldLayoutId id="2147483660" r:id="rId12"/>
   </p:sldLayoutIdLst>
   <p:txStyles>
     <p:titleStyle>
-      <a:lvl1pPr algn="l" defTabSz="1300460" rtl="0" eaLnBrk="1" latinLnBrk="0" hangingPunct="1">
+      <a:lvl1pPr algn="l" defTabSz="1300480" rtl="0" eaLnBrk="1" latinLnBrk="0" hangingPunct="1">
         <a:lnSpc>
           <a:spcPct val="90000"/>
         </a:lnSpc>
@@ -4250,9 +4163,9 @@
           <a:spcPct val="0"/>
         </a:spcBef>
         <a:buNone/>
-        <a:defRPr sz="5973" b="0" kern="1200" cap="all" baseline="0">
+        <a:defRPr sz="5975" b="0" kern="1200" cap="all" baseline="0">
           <a:blipFill>
-            <a:blip r:embed="rId16">
+            <a:blip r:embed="rId15">
               <a:extLst>
                 <a:ext uri="{28A0092B-C50C-407E-A947-70E740481C1C}">
                   <a14:useLocalDpi xmlns:a14="http://schemas.microsoft.com/office/drawing/2010/main" val="0"/>
@@ -4268,12 +4181,12 @@
       </a:lvl1pPr>
     </p:titleStyle>
     <p:bodyStyle>
-      <a:lvl1pPr marL="260092" indent="-260092" algn="l" defTabSz="1300460" rtl="0" eaLnBrk="1" latinLnBrk="0" hangingPunct="1">
+      <a:lvl1pPr marL="260350" indent="-260350" algn="l" defTabSz="1300480" rtl="0" eaLnBrk="1" latinLnBrk="0" hangingPunct="1">
         <a:lnSpc>
           <a:spcPct val="90000"/>
         </a:lnSpc>
         <a:spcBef>
-          <a:spcPts val="1707"/>
+          <a:spcPts val="1705"/>
         </a:spcBef>
         <a:buClr>
           <a:schemeClr val="accent1">
@@ -4281,9 +4194,9 @@
           </a:schemeClr>
         </a:buClr>
         <a:buSzPct val="85000"/>
-        <a:buFont typeface="Wingdings" pitchFamily="2" charset="2"/>
+        <a:buFont typeface="Wingdings" panose="05000000000000000000" pitchFamily="2" charset="2"/>
         <a:buChar char="§"/>
-        <a:defRPr sz="2844" kern="1200">
+        <a:defRPr sz="2845" kern="1200">
           <a:solidFill>
             <a:schemeClr val="tx1"/>
           </a:solidFill>
@@ -4292,15 +4205,15 @@
           <a:cs typeface="+mn-cs"/>
         </a:defRPr>
       </a:lvl1pPr>
-      <a:lvl2pPr marL="650230" indent="-260092" algn="l" defTabSz="1300460" rtl="0" eaLnBrk="1" latinLnBrk="0" hangingPunct="1">
+      <a:lvl2pPr marL="650240" indent="-260350" algn="l" defTabSz="1300480" rtl="0" eaLnBrk="1" latinLnBrk="0" hangingPunct="1">
         <a:lnSpc>
           <a:spcPct val="90000"/>
         </a:lnSpc>
         <a:spcBef>
-          <a:spcPts val="569"/>
+          <a:spcPts val="570"/>
         </a:spcBef>
         <a:spcAft>
-          <a:spcPts val="284"/>
+          <a:spcPts val="285"/>
         </a:spcAft>
         <a:buClr>
           <a:schemeClr val="accent1">
@@ -4308,7 +4221,7 @@
           </a:schemeClr>
         </a:buClr>
         <a:buSzPct val="85000"/>
-        <a:buFont typeface="Wingdings" pitchFamily="2" charset="2"/>
+        <a:buFont typeface="Wingdings" panose="05000000000000000000" pitchFamily="2" charset="2"/>
         <a:buChar char="§"/>
         <a:defRPr sz="2560" kern="1200">
           <a:solidFill>
@@ -4319,15 +4232,15 @@
           <a:cs typeface="+mn-cs"/>
         </a:defRPr>
       </a:lvl2pPr>
-      <a:lvl3pPr marL="1040368" indent="-260092" algn="l" defTabSz="1300460" rtl="0" eaLnBrk="1" latinLnBrk="0" hangingPunct="1">
+      <a:lvl3pPr marL="1040130" indent="-260350" algn="l" defTabSz="1300480" rtl="0" eaLnBrk="1" latinLnBrk="0" hangingPunct="1">
         <a:lnSpc>
           <a:spcPct val="90000"/>
         </a:lnSpc>
         <a:spcBef>
-          <a:spcPts val="569"/>
+          <a:spcPts val="570"/>
         </a:spcBef>
         <a:spcAft>
-          <a:spcPts val="284"/>
+          <a:spcPts val="285"/>
         </a:spcAft>
         <a:buClr>
           <a:schemeClr val="accent1">
@@ -4335,9 +4248,9 @@
           </a:schemeClr>
         </a:buClr>
         <a:buSzPct val="85000"/>
-        <a:buFont typeface="Wingdings" pitchFamily="2" charset="2"/>
+        <a:buFont typeface="Wingdings" panose="05000000000000000000" pitchFamily="2" charset="2"/>
         <a:buChar char="§"/>
-        <a:defRPr sz="2276" kern="1200">
+        <a:defRPr sz="2275" kern="1200">
           <a:solidFill>
             <a:schemeClr val="tx1"/>
           </a:solidFill>
@@ -4346,15 +4259,15 @@
           <a:cs typeface="+mn-cs"/>
         </a:defRPr>
       </a:lvl3pPr>
-      <a:lvl4pPr marL="1430506" indent="-260092" algn="l" defTabSz="1300460" rtl="0" eaLnBrk="1" latinLnBrk="0" hangingPunct="1">
+      <a:lvl4pPr marL="1430655" indent="-260350" algn="l" defTabSz="1300480" rtl="0" eaLnBrk="1" latinLnBrk="0" hangingPunct="1">
         <a:lnSpc>
           <a:spcPct val="90000"/>
         </a:lnSpc>
         <a:spcBef>
-          <a:spcPts val="569"/>
+          <a:spcPts val="570"/>
         </a:spcBef>
         <a:spcAft>
-          <a:spcPts val="284"/>
+          <a:spcPts val="285"/>
         </a:spcAft>
         <a:buClr>
           <a:schemeClr val="accent1">
@@ -4362,9 +4275,9 @@
           </a:schemeClr>
         </a:buClr>
         <a:buSzPct val="85000"/>
-        <a:buFont typeface="Wingdings" pitchFamily="2" charset="2"/>
+        <a:buFont typeface="Wingdings" panose="05000000000000000000" pitchFamily="2" charset="2"/>
         <a:buChar char="§"/>
-        <a:defRPr sz="2276" kern="1200">
+        <a:defRPr sz="2275" kern="1200">
           <a:solidFill>
             <a:schemeClr val="tx1"/>
           </a:solidFill>
@@ -4373,15 +4286,15 @@
           <a:cs typeface="+mn-cs"/>
         </a:defRPr>
       </a:lvl4pPr>
-      <a:lvl5pPr marL="1820644" indent="-260092" algn="l" defTabSz="1300460" rtl="0" eaLnBrk="1" latinLnBrk="0" hangingPunct="1">
+      <a:lvl5pPr marL="1820545" indent="-260350" algn="l" defTabSz="1300480" rtl="0" eaLnBrk="1" latinLnBrk="0" hangingPunct="1">
         <a:lnSpc>
           <a:spcPct val="90000"/>
         </a:lnSpc>
         <a:spcBef>
-          <a:spcPts val="569"/>
+          <a:spcPts val="570"/>
         </a:spcBef>
         <a:spcAft>
-          <a:spcPts val="284"/>
+          <a:spcPts val="285"/>
         </a:spcAft>
         <a:buClr>
           <a:schemeClr val="accent1">
@@ -4389,9 +4302,9 @@
           </a:schemeClr>
         </a:buClr>
         <a:buSzPct val="85000"/>
-        <a:buFont typeface="Wingdings" pitchFamily="2" charset="2"/>
+        <a:buFont typeface="Wingdings" panose="05000000000000000000" pitchFamily="2" charset="2"/>
         <a:buChar char="§"/>
-        <a:defRPr sz="2276" kern="1200">
+        <a:defRPr sz="2275" kern="1200">
           <a:solidFill>
             <a:schemeClr val="tx1"/>
           </a:solidFill>
@@ -4400,15 +4313,15 @@
           <a:cs typeface="+mn-cs"/>
         </a:defRPr>
       </a:lvl5pPr>
-      <a:lvl6pPr marL="2275520" indent="-325115" algn="l" defTabSz="1300460" rtl="0" eaLnBrk="1" latinLnBrk="0" hangingPunct="1">
+      <a:lvl6pPr marL="2275205" indent="-325120" algn="l" defTabSz="1300480" rtl="0" eaLnBrk="1" latinLnBrk="0" hangingPunct="1">
         <a:lnSpc>
           <a:spcPct val="90000"/>
         </a:lnSpc>
         <a:spcBef>
-          <a:spcPts val="569"/>
+          <a:spcPts val="570"/>
         </a:spcBef>
         <a:spcAft>
-          <a:spcPts val="284"/>
+          <a:spcPts val="285"/>
         </a:spcAft>
         <a:buClr>
           <a:schemeClr val="accent1">
@@ -4416,9 +4329,9 @@
           </a:schemeClr>
         </a:buClr>
         <a:buSzPct val="85000"/>
-        <a:buFont typeface="Wingdings" pitchFamily="2" charset="2"/>
+        <a:buFont typeface="Wingdings" panose="05000000000000000000" pitchFamily="2" charset="2"/>
         <a:buChar char="§"/>
-        <a:defRPr sz="2276" kern="1200">
+        <a:defRPr sz="2275" kern="1200">
           <a:solidFill>
             <a:schemeClr val="tx1"/>
           </a:solidFill>
@@ -4427,15 +4340,15 @@
           <a:cs typeface="+mn-cs"/>
         </a:defRPr>
       </a:lvl6pPr>
-      <a:lvl7pPr marL="2702180" indent="-325115" algn="l" defTabSz="1300460" rtl="0" eaLnBrk="1" latinLnBrk="0" hangingPunct="1">
+      <a:lvl7pPr marL="2701925" indent="-325120" algn="l" defTabSz="1300480" rtl="0" eaLnBrk="1" latinLnBrk="0" hangingPunct="1">
         <a:lnSpc>
           <a:spcPct val="90000"/>
         </a:lnSpc>
         <a:spcBef>
-          <a:spcPts val="569"/>
+          <a:spcPts val="570"/>
         </a:spcBef>
         <a:spcAft>
-          <a:spcPts val="284"/>
+          <a:spcPts val="285"/>
         </a:spcAft>
         <a:buClr>
           <a:schemeClr val="accent1">
@@ -4443,9 +4356,9 @@
           </a:schemeClr>
         </a:buClr>
         <a:buSzPct val="85000"/>
-        <a:buFont typeface="Wingdings" pitchFamily="2" charset="2"/>
+        <a:buFont typeface="Wingdings" panose="05000000000000000000" pitchFamily="2" charset="2"/>
         <a:buChar char="§"/>
-        <a:defRPr sz="2276" kern="1200">
+        <a:defRPr sz="2275" kern="1200">
           <a:solidFill>
             <a:schemeClr val="tx1"/>
           </a:solidFill>
@@ -4454,15 +4367,15 @@
           <a:cs typeface="+mn-cs"/>
         </a:defRPr>
       </a:lvl7pPr>
-      <a:lvl8pPr marL="3128840" indent="-325115" algn="l" defTabSz="1300460" rtl="0" eaLnBrk="1" latinLnBrk="0" hangingPunct="1">
+      <a:lvl8pPr marL="3128645" indent="-325120" algn="l" defTabSz="1300480" rtl="0" eaLnBrk="1" latinLnBrk="0" hangingPunct="1">
         <a:lnSpc>
           <a:spcPct val="90000"/>
         </a:lnSpc>
         <a:spcBef>
-          <a:spcPts val="569"/>
+          <a:spcPts val="570"/>
         </a:spcBef>
         <a:spcAft>
-          <a:spcPts val="284"/>
+          <a:spcPts val="285"/>
         </a:spcAft>
         <a:buClr>
           <a:schemeClr val="accent1">
@@ -4470,9 +4383,9 @@
           </a:schemeClr>
         </a:buClr>
         <a:buSzPct val="85000"/>
-        <a:buFont typeface="Wingdings" pitchFamily="2" charset="2"/>
+        <a:buFont typeface="Wingdings" panose="05000000000000000000" pitchFamily="2" charset="2"/>
         <a:buChar char="§"/>
-        <a:defRPr sz="2276" kern="1200">
+        <a:defRPr sz="2275" kern="1200">
           <a:solidFill>
             <a:schemeClr val="tx1"/>
           </a:solidFill>
@@ -4481,15 +4394,15 @@
           <a:cs typeface="+mn-cs"/>
         </a:defRPr>
       </a:lvl8pPr>
-      <a:lvl9pPr marL="3555500" indent="-325115" algn="l" defTabSz="1300460" rtl="0" eaLnBrk="1" latinLnBrk="0" hangingPunct="1">
+      <a:lvl9pPr marL="3555365" indent="-325120" algn="l" defTabSz="1300480" rtl="0" eaLnBrk="1" latinLnBrk="0" hangingPunct="1">
         <a:lnSpc>
           <a:spcPct val="90000"/>
         </a:lnSpc>
         <a:spcBef>
-          <a:spcPts val="569"/>
+          <a:spcPts val="570"/>
         </a:spcBef>
         <a:spcAft>
-          <a:spcPts val="284"/>
+          <a:spcPts val="285"/>
         </a:spcAft>
         <a:buClr>
           <a:schemeClr val="accent1">
@@ -4497,9 +4410,9 @@
           </a:schemeClr>
         </a:buClr>
         <a:buSzPct val="85000"/>
-        <a:buFont typeface="Wingdings" pitchFamily="2" charset="2"/>
+        <a:buFont typeface="Wingdings" panose="05000000000000000000" pitchFamily="2" charset="2"/>
         <a:buChar char="§"/>
-        <a:defRPr sz="2276" kern="1200">
+        <a:defRPr sz="2275" kern="1200">
           <a:solidFill>
             <a:schemeClr val="tx1"/>
           </a:solidFill>
@@ -4513,7 +4426,7 @@
       <a:defPPr>
         <a:defRPr lang="en-US"/>
       </a:defPPr>
-      <a:lvl1pPr marL="0" algn="l" defTabSz="1300460" rtl="0" eaLnBrk="1" latinLnBrk="0" hangingPunct="1">
+      <a:lvl1pPr marL="0" algn="l" defTabSz="1300480" rtl="0" eaLnBrk="1" latinLnBrk="0" hangingPunct="1">
         <a:defRPr sz="2560" kern="1200">
           <a:solidFill>
             <a:schemeClr val="tx1"/>
@@ -4523,7 +4436,7 @@
           <a:cs typeface="+mn-cs"/>
         </a:defRPr>
       </a:lvl1pPr>
-      <a:lvl2pPr marL="650230" algn="l" defTabSz="1300460" rtl="0" eaLnBrk="1" latinLnBrk="0" hangingPunct="1">
+      <a:lvl2pPr marL="650240" algn="l" defTabSz="1300480" rtl="0" eaLnBrk="1" latinLnBrk="0" hangingPunct="1">
         <a:defRPr sz="2560" kern="1200">
           <a:solidFill>
             <a:schemeClr val="tx1"/>
@@ -4533,7 +4446,7 @@
           <a:cs typeface="+mn-cs"/>
         </a:defRPr>
       </a:lvl2pPr>
-      <a:lvl3pPr marL="1300460" algn="l" defTabSz="1300460" rtl="0" eaLnBrk="1" latinLnBrk="0" hangingPunct="1">
+      <a:lvl3pPr marL="1300480" algn="l" defTabSz="1300480" rtl="0" eaLnBrk="1" latinLnBrk="0" hangingPunct="1">
         <a:defRPr sz="2560" kern="1200">
           <a:solidFill>
             <a:schemeClr val="tx1"/>
@@ -4543,7 +4456,7 @@
           <a:cs typeface="+mn-cs"/>
         </a:defRPr>
       </a:lvl3pPr>
-      <a:lvl4pPr marL="1950690" algn="l" defTabSz="1300460" rtl="0" eaLnBrk="1" latinLnBrk="0" hangingPunct="1">
+      <a:lvl4pPr marL="1950720" algn="l" defTabSz="1300480" rtl="0" eaLnBrk="1" latinLnBrk="0" hangingPunct="1">
         <a:defRPr sz="2560" kern="1200">
           <a:solidFill>
             <a:schemeClr val="tx1"/>
@@ -4553,7 +4466,7 @@
           <a:cs typeface="+mn-cs"/>
         </a:defRPr>
       </a:lvl4pPr>
-      <a:lvl5pPr marL="2600919" algn="l" defTabSz="1300460" rtl="0" eaLnBrk="1" latinLnBrk="0" hangingPunct="1">
+      <a:lvl5pPr marL="2600960" algn="l" defTabSz="1300480" rtl="0" eaLnBrk="1" latinLnBrk="0" hangingPunct="1">
         <a:defRPr sz="2560" kern="1200">
           <a:solidFill>
             <a:schemeClr val="tx1"/>
@@ -4563,7 +4476,7 @@
           <a:cs typeface="+mn-cs"/>
         </a:defRPr>
       </a:lvl5pPr>
-      <a:lvl6pPr marL="3251149" algn="l" defTabSz="1300460" rtl="0" eaLnBrk="1" latinLnBrk="0" hangingPunct="1">
+      <a:lvl6pPr marL="3251200" algn="l" defTabSz="1300480" rtl="0" eaLnBrk="1" latinLnBrk="0" hangingPunct="1">
         <a:defRPr sz="2560" kern="1200">
           <a:solidFill>
             <a:schemeClr val="tx1"/>
@@ -4573,7 +4486,7 @@
           <a:cs typeface="+mn-cs"/>
         </a:defRPr>
       </a:lvl6pPr>
-      <a:lvl7pPr marL="3901379" algn="l" defTabSz="1300460" rtl="0" eaLnBrk="1" latinLnBrk="0" hangingPunct="1">
+      <a:lvl7pPr marL="3901440" algn="l" defTabSz="1300480" rtl="0" eaLnBrk="1" latinLnBrk="0" hangingPunct="1">
         <a:defRPr sz="2560" kern="1200">
           <a:solidFill>
             <a:schemeClr val="tx1"/>
@@ -4583,7 +4496,7 @@
           <a:cs typeface="+mn-cs"/>
         </a:defRPr>
       </a:lvl7pPr>
-      <a:lvl8pPr marL="4551609" algn="l" defTabSz="1300460" rtl="0" eaLnBrk="1" latinLnBrk="0" hangingPunct="1">
+      <a:lvl8pPr marL="4551680" algn="l" defTabSz="1300480" rtl="0" eaLnBrk="1" latinLnBrk="0" hangingPunct="1">
         <a:defRPr sz="2560" kern="1200">
           <a:solidFill>
             <a:schemeClr val="tx1"/>
@@ -4593,7 +4506,7 @@
           <a:cs typeface="+mn-cs"/>
         </a:defRPr>
       </a:lvl8pPr>
-      <a:lvl9pPr marL="5201839" algn="l" defTabSz="1300460" rtl="0" eaLnBrk="1" latinLnBrk="0" hangingPunct="1">
+      <a:lvl9pPr marL="5201920" algn="l" defTabSz="1300480" rtl="0" eaLnBrk="1" latinLnBrk="0" hangingPunct="1">
         <a:defRPr sz="2560" kern="1200">
           <a:solidFill>
             <a:schemeClr val="tx1"/>
@@ -4652,6 +4565,7 @@
               <a:rPr dirty="0"/>
               <a:t> Workshop</a:t>
             </a:r>
+            <a:endParaRPr dirty="0"/>
           </a:p>
         </p:txBody>
       </p:sp>
@@ -4711,11 +4625,6 @@
           <a:prstGeom prst="rect">
             <a:avLst/>
           </a:prstGeom>
-          <a:extLst>
-            <a:ext uri="{C572A759-6A51-4108-AA02-DFA0A04FC94B}">
-              <ma14:wrappingTextBoxFlag xmlns="" xmlns:m="http://schemas.openxmlformats.org/officeDocument/2006/math" xmlns:a14="http://schemas.microsoft.com/office/drawing/2010/main" xmlns:ma14="http://schemas.microsoft.com/office/mac/drawingml/2011/main" val="1"/>
-            </a:ext>
-          </a:extLst>
         </p:spPr>
         <p:txBody>
           <a:bodyPr/>
@@ -4732,7 +4641,6 @@
           <a:p>
             <a:fld id="{86CB4B4D-7CA3-9044-876B-883B54F8677D}" type="slidenum">
               <a:rPr/>
-              <a:t>1</a:t>
             </a:fld>
             <a:endParaRPr/>
           </a:p>
@@ -4751,13 +4659,7 @@
   <p:cSld>
     <p:spTree>
       <p:nvGrpSpPr>
-        <p:cNvPr id="1" name="">
-          <a:extLst>
-            <a:ext uri="{FF2B5EF4-FFF2-40B4-BE49-F238E27FC236}">
-              <a16:creationId xmlns:a16="http://schemas.microsoft.com/office/drawing/2014/main" id="{41AFD90E-1081-2279-6ED2-70EC29E308A3}"/>
-            </a:ext>
-          </a:extLst>
-        </p:cNvPr>
+        <p:cNvPr id="1" name=""/>
         <p:cNvGrpSpPr/>
         <p:nvPr/>
       </p:nvGrpSpPr>
@@ -4771,13 +4673,7 @@
       </p:grpSpPr>
       <p:sp>
         <p:nvSpPr>
-          <p:cNvPr id="2" name="Title 1">
-            <a:extLst>
-              <a:ext uri="{FF2B5EF4-FFF2-40B4-BE49-F238E27FC236}">
-                <a16:creationId xmlns:a16="http://schemas.microsoft.com/office/drawing/2014/main" id="{8ECE4DD0-13E1-1434-7296-087C0B0E4088}"/>
-              </a:ext>
-            </a:extLst>
-          </p:cNvPr>
+          <p:cNvPr id="2" name="Title 1"/>
           <p:cNvSpPr>
             <a:spLocks noGrp="1"/>
           </p:cNvSpPr>
@@ -4804,13 +4700,7 @@
       </p:sp>
       <p:sp>
         <p:nvSpPr>
-          <p:cNvPr id="5" name="Content Placeholder 4">
-            <a:extLst>
-              <a:ext uri="{FF2B5EF4-FFF2-40B4-BE49-F238E27FC236}">
-                <a16:creationId xmlns:a16="http://schemas.microsoft.com/office/drawing/2014/main" id="{BBEEA378-D075-232D-D1BA-A06876FA1DB7}"/>
-              </a:ext>
-            </a:extLst>
-          </p:cNvPr>
+          <p:cNvPr id="5" name="Content Placeholder 4"/>
           <p:cNvSpPr>
             <a:spLocks noGrp="1"/>
           </p:cNvSpPr>
@@ -4829,22 +4719,66 @@
           <a:lstStyle/>
           <a:p>
             <a:r>
-              <a:rPr lang="en-US" dirty="0"/>
-              <a:t>DEMO TIME!</a:t>
-            </a:r>
-            <a:endParaRPr lang="en-US" sz="3200" dirty="0"/>
-          </a:p>
-          <a:p>
+              <a:rPr lang="nb-NO" dirty="0">
+                <a:sym typeface="+mn-ea"/>
+              </a:rPr>
+              <a:t>Please refer to </a:t>
+            </a:r>
+            <a:r>
+              <a:rPr lang="en-SG" altLang="nb-NO" u="sng" dirty="0">
+                <a:sym typeface="+mn-ea"/>
+              </a:rPr>
+              <a:t>Fun with API</a:t>
+            </a:r>
+            <a:r>
+              <a:rPr lang="nb-NO" u="sng" dirty="0">
+                <a:sym typeface="+mn-ea"/>
+              </a:rPr>
+              <a:t>.pdf</a:t>
+            </a:r>
+            <a:endParaRPr lang="nb-NO" u="sng" dirty="0"/>
+          </a:p>
+          <a:p>
+            <a:r>
+              <a:rPr lang="nb-NO" dirty="0">
+                <a:sym typeface="+mn-ea"/>
+              </a:rPr>
+              <a:t>Colab link for echo bot: </a:t>
+            </a:r>
+            <a:r>
+              <a:rPr lang="en-US" altLang="en-US" dirty="0">
+                <a:hlinkClick r:id="rId1" tooltip="" action="ppaction://hlinkfile"/>
+              </a:rPr>
+              <a:t>https://colab.research.google.com/drive/1NMOP4adTwsxl4NVt-7B1sbCxW8e3gsT7?usp=sharing</a:t>
+            </a:r>
+            <a:endParaRPr lang="en-US" altLang="en-US" dirty="0"/>
+          </a:p>
+          <a:p>
+            <a:r>
+              <a:rPr lang="en-US" dirty="0">
+                <a:sym typeface="+mn-ea"/>
+              </a:rPr>
+              <a:t>Please click File </a:t>
+            </a:r>
+            <a:r>
+              <a:rPr lang="en-US" dirty="0">
+                <a:sym typeface="Wingdings" panose="05000000000000000000" pitchFamily="2" charset="2"/>
+              </a:rPr>
+              <a:t> Save a copy in Drive to enable editing </a:t>
+            </a:r>
+            <a:endParaRPr lang="en-US" dirty="0">
+              <a:sym typeface="Wingdings" panose="05000000000000000000" pitchFamily="2" charset="2"/>
+            </a:endParaRPr>
+          </a:p>
+          <a:p>
+            <a:pPr marL="0" indent="0">
+              <a:buNone/>
+            </a:pPr>
             <a:endParaRPr lang="en-US" dirty="0"/>
           </a:p>
         </p:txBody>
       </p:sp>
     </p:spTree>
-    <p:extLst>
-      <p:ext uri="{BB962C8B-B14F-4D97-AF65-F5344CB8AC3E}">
-        <p14:creationId xmlns:p14="http://schemas.microsoft.com/office/powerpoint/2010/main" val="3676518029"/>
-      </p:ext>
-    </p:extLst>
   </p:cSld>
   <p:clrMapOvr>
     <a:masterClrMapping/>
@@ -4888,15 +4822,11 @@
               <a:rPr lang="en-SG" dirty="0"/>
               <a:t>Lunch break</a:t>
             </a:r>
+            <a:endParaRPr lang="en-SG" dirty="0"/>
           </a:p>
         </p:txBody>
       </p:sp>
     </p:spTree>
-    <p:extLst>
-      <p:ext uri="{BB962C8B-B14F-4D97-AF65-F5344CB8AC3E}">
-        <p14:creationId xmlns:p14="http://schemas.microsoft.com/office/powerpoint/2010/main" val="4123349182"/>
-      </p:ext>
-    </p:extLst>
   </p:cSld>
   <p:clrMapOvr>
     <a:masterClrMapping/>
@@ -4940,15 +4870,11 @@
               <a:rPr lang="en-SG" dirty="0"/>
               <a:t>Telegram bot</a:t>
             </a:r>
+            <a:endParaRPr lang="en-SG" dirty="0"/>
           </a:p>
         </p:txBody>
       </p:sp>
     </p:spTree>
-    <p:extLst>
-      <p:ext uri="{BB962C8B-B14F-4D97-AF65-F5344CB8AC3E}">
-        <p14:creationId xmlns:p14="http://schemas.microsoft.com/office/powerpoint/2010/main" val="3686433602"/>
-      </p:ext>
-    </p:extLst>
   </p:cSld>
   <p:clrMapOvr>
     <a:masterClrMapping/>
@@ -4975,13 +4901,7 @@
       </p:grpSpPr>
       <p:sp>
         <p:nvSpPr>
-          <p:cNvPr id="2" name="Title 1">
-            <a:extLst>
-              <a:ext uri="{FF2B5EF4-FFF2-40B4-BE49-F238E27FC236}">
-                <a16:creationId xmlns:a16="http://schemas.microsoft.com/office/drawing/2014/main" id="{D2CEFE69-D4B1-78AD-1B9B-A42CEFB0A043}"/>
-              </a:ext>
-            </a:extLst>
-          </p:cNvPr>
+          <p:cNvPr id="2" name="Title 1"/>
           <p:cNvSpPr>
             <a:spLocks noGrp="1"/>
           </p:cNvSpPr>
@@ -5004,13 +4924,7 @@
       </p:sp>
       <p:sp>
         <p:nvSpPr>
-          <p:cNvPr id="3" name="Content Placeholder 2">
-            <a:extLst>
-              <a:ext uri="{FF2B5EF4-FFF2-40B4-BE49-F238E27FC236}">
-                <a16:creationId xmlns:a16="http://schemas.microsoft.com/office/drawing/2014/main" id="{8A1F9641-CE8D-AF1B-91DE-529B6059332C}"/>
-              </a:ext>
-            </a:extLst>
-          </p:cNvPr>
+          <p:cNvPr id="3" name="Content Placeholder 2"/>
           <p:cNvSpPr>
             <a:spLocks noGrp="1"/>
           </p:cNvSpPr>
@@ -5020,7 +4934,9 @@
         </p:nvSpPr>
         <p:spPr/>
         <p:txBody>
-          <a:bodyPr/>
+          <a:bodyPr>
+            <a:normAutofit/>
+          </a:bodyPr>
           <a:lstStyle/>
           <a:p>
             <a:r>
@@ -5035,6 +4951,7 @@
               <a:rPr lang="nb-NO" dirty="0"/>
               <a:t>on how to create a bot token</a:t>
             </a:r>
+            <a:endParaRPr lang="nb-NO" dirty="0"/>
           </a:p>
           <a:p>
             <a:r>
@@ -5045,6 +4962,7 @@
               <a:rPr lang="nb-NO" u="sng" dirty="0"/>
               <a:t>AI Chatbot Workshop.pdf </a:t>
             </a:r>
+            <a:endParaRPr lang="nb-NO" u="sng" dirty="0"/>
           </a:p>
           <a:p>
             <a:r>
@@ -5053,7 +4971,7 @@
             </a:r>
             <a:r>
               <a:rPr lang="nb-NO" dirty="0">
-                <a:hlinkClick r:id="rId2"/>
+                <a:hlinkClick r:id="rId1"/>
               </a:rPr>
               <a:t>https://colab.research.google.com/drive/1RLSHGc69V6BfohR7RTpaWFU9zsbxV-K_?usp=sharing</a:t>
             </a:r>
@@ -5061,6 +4979,7 @@
               <a:rPr lang="nb-NO" dirty="0"/>
               <a:t> </a:t>
             </a:r>
+            <a:endParaRPr lang="nb-NO" dirty="0"/>
           </a:p>
           <a:p>
             <a:r>
@@ -5073,6 +4992,9 @@
               </a:rPr>
               <a:t> Save a copy in Drive to enable editing </a:t>
             </a:r>
+            <a:endParaRPr lang="en-US" sz="2800" dirty="0">
+              <a:sym typeface="Wingdings" panose="05000000000000000000" pitchFamily="2" charset="2"/>
+            </a:endParaRPr>
           </a:p>
           <a:p>
             <a:pPr marL="0" indent="0">
@@ -5085,23 +5007,27 @@
               <a:rPr lang="en-US" dirty="0"/>
               <a:t>For Advanced Students</a:t>
             </a:r>
+            <a:endParaRPr lang="en-US" dirty="0"/>
           </a:p>
           <a:p>
             <a:pPr lvl="1"/>
             <a:r>
               <a:rPr lang="en-US" dirty="0"/>
-              <a:t>Try integrating with the APIs</a:t>
+              <a:t>Try integrating with </a:t>
+            </a:r>
+            <a:r>
+              <a:rPr lang="en-SG" altLang="en-US" dirty="0"/>
+              <a:t>public </a:t>
+            </a:r>
+            <a:r>
+              <a:rPr lang="en-US" dirty="0"/>
+              <a:t>APIs</a:t>
             </a:r>
             <a:endParaRPr lang="en-US" u="sng" dirty="0"/>
           </a:p>
         </p:txBody>
       </p:sp>
     </p:spTree>
-    <p:extLst>
-      <p:ext uri="{BB962C8B-B14F-4D97-AF65-F5344CB8AC3E}">
-        <p14:creationId xmlns:p14="http://schemas.microsoft.com/office/powerpoint/2010/main" val="2231833250"/>
-      </p:ext>
-    </p:extLst>
   </p:cSld>
   <p:clrMapOvr>
     <a:masterClrMapping/>
@@ -5150,11 +5076,6 @@
         </p:txBody>
       </p:sp>
     </p:spTree>
-    <p:extLst>
-      <p:ext uri="{BB962C8B-B14F-4D97-AF65-F5344CB8AC3E}">
-        <p14:creationId xmlns:p14="http://schemas.microsoft.com/office/powerpoint/2010/main" val="2390736117"/>
-      </p:ext>
-    </p:extLst>
   </p:cSld>
   <p:clrMapOvr>
     <a:masterClrMapping/>
@@ -5203,11 +5124,6 @@
         </p:txBody>
       </p:sp>
     </p:spTree>
-    <p:extLst>
-      <p:ext uri="{BB962C8B-B14F-4D97-AF65-F5344CB8AC3E}">
-        <p14:creationId xmlns:p14="http://schemas.microsoft.com/office/powerpoint/2010/main" val="3445518017"/>
-      </p:ext>
-    </p:extLst>
   </p:cSld>
   <p:clrMapOvr>
     <a:masterClrMapping/>
@@ -5234,13 +5150,7 @@
       </p:grpSpPr>
       <p:sp>
         <p:nvSpPr>
-          <p:cNvPr id="2" name="Title 1">
-            <a:extLst>
-              <a:ext uri="{FF2B5EF4-FFF2-40B4-BE49-F238E27FC236}">
-                <a16:creationId xmlns:a16="http://schemas.microsoft.com/office/drawing/2014/main" id="{F43DC962-0C11-87F5-F93B-20276AAC1FB1}"/>
-              </a:ext>
-            </a:extLst>
-          </p:cNvPr>
+          <p:cNvPr id="2" name="Title 1"/>
           <p:cNvSpPr>
             <a:spLocks noGrp="1"/>
           </p:cNvSpPr>
@@ -5263,13 +5173,7 @@
       </p:sp>
       <p:sp>
         <p:nvSpPr>
-          <p:cNvPr id="3" name="Content Placeholder 2">
-            <a:extLst>
-              <a:ext uri="{FF2B5EF4-FFF2-40B4-BE49-F238E27FC236}">
-                <a16:creationId xmlns:a16="http://schemas.microsoft.com/office/drawing/2014/main" id="{BA5E18BD-AA16-B16F-255A-E13A776F9CD4}"/>
-              </a:ext>
-            </a:extLst>
-          </p:cNvPr>
+          <p:cNvPr id="3" name="Content Placeholder 2"/>
           <p:cNvSpPr>
             <a:spLocks noGrp="1"/>
           </p:cNvSpPr>
@@ -5288,7 +5192,7 @@
             </a:r>
             <a:r>
               <a:rPr lang="en-SG" dirty="0">
-                <a:hlinkClick r:id="rId2"/>
+                <a:hlinkClick r:id="rId1"/>
               </a:rPr>
               <a:t>www.menti.com</a:t>
             </a:r>
@@ -5303,15 +5207,11 @@
               <a:rPr lang="en-US" dirty="0"/>
               <a:t>24984375</a:t>
             </a:r>
+            <a:endParaRPr lang="en-US" dirty="0"/>
           </a:p>
         </p:txBody>
       </p:sp>
     </p:spTree>
-    <p:extLst>
-      <p:ext uri="{BB962C8B-B14F-4D97-AF65-F5344CB8AC3E}">
-        <p14:creationId xmlns:p14="http://schemas.microsoft.com/office/powerpoint/2010/main" val="1134693526"/>
-      </p:ext>
-    </p:extLst>
   </p:cSld>
   <p:clrMapOvr>
     <a:masterClrMapping/>
@@ -5324,13 +5224,7 @@
   <p:cSld>
     <p:spTree>
       <p:nvGrpSpPr>
-        <p:cNvPr id="1" name="">
-          <a:extLst>
-            <a:ext uri="{FF2B5EF4-FFF2-40B4-BE49-F238E27FC236}">
-              <a16:creationId xmlns:a16="http://schemas.microsoft.com/office/drawing/2014/main" id="{15F40935-7BA0-7EB0-A893-5FE55A44EABA}"/>
-            </a:ext>
-          </a:extLst>
-        </p:cNvPr>
+        <p:cNvPr id="1" name=""/>
         <p:cNvGrpSpPr/>
         <p:nvPr/>
       </p:nvGrpSpPr>
@@ -5344,13 +5238,7 @@
       </p:grpSpPr>
       <p:sp>
         <p:nvSpPr>
-          <p:cNvPr id="2" name="Title 1">
-            <a:extLst>
-              <a:ext uri="{FF2B5EF4-FFF2-40B4-BE49-F238E27FC236}">
-                <a16:creationId xmlns:a16="http://schemas.microsoft.com/office/drawing/2014/main" id="{FD643295-3AA7-B0DB-1702-04C049373F0E}"/>
-              </a:ext>
-            </a:extLst>
-          </p:cNvPr>
+          <p:cNvPr id="2" name="Title 1"/>
           <p:cNvSpPr>
             <a:spLocks noGrp="1"/>
           </p:cNvSpPr>
@@ -5367,18 +5255,13 @@
               <a:rPr lang="en-US" dirty="0"/>
               <a:t>Reminders</a:t>
             </a:r>
-          </a:p>
-        </p:txBody>
-      </p:sp>
-      <p:sp>
-        <p:nvSpPr>
-          <p:cNvPr id="5" name="Content Placeholder 4">
-            <a:extLst>
-              <a:ext uri="{FF2B5EF4-FFF2-40B4-BE49-F238E27FC236}">
-                <a16:creationId xmlns:a16="http://schemas.microsoft.com/office/drawing/2014/main" id="{F2BB23FE-E276-C74F-9E3B-2272A7BBD81E}"/>
-              </a:ext>
-            </a:extLst>
-          </p:cNvPr>
+            <a:endParaRPr lang="en-US" dirty="0"/>
+          </a:p>
+        </p:txBody>
+      </p:sp>
+      <p:sp>
+        <p:nvSpPr>
+          <p:cNvPr id="5" name="Content Placeholder 4"/>
           <p:cNvSpPr>
             <a:spLocks noGrp="1"/>
           </p:cNvSpPr>
@@ -5395,18 +5278,21 @@
               <a:rPr lang="en-US" dirty="0"/>
               <a:t>Please reach before 9am tomorrow, and you will be sitting at the same table as today</a:t>
             </a:r>
+            <a:endParaRPr lang="en-US" dirty="0"/>
           </a:p>
           <a:p>
             <a:r>
               <a:rPr lang="en-US" dirty="0"/>
               <a:t>Please remember to bring your laptops and chargers</a:t>
             </a:r>
+            <a:endParaRPr lang="en-US" dirty="0"/>
           </a:p>
           <a:p>
             <a:r>
               <a:rPr lang="en-US" dirty="0"/>
               <a:t>Please discuss with your parents and pass back the consent form to us tomorrow</a:t>
             </a:r>
+            <a:endParaRPr lang="en-US" dirty="0"/>
           </a:p>
           <a:p>
             <a:endParaRPr lang="en-US" dirty="0"/>
@@ -5419,15 +5305,144 @@
               <a:rPr lang="en-US" dirty="0"/>
               <a:t>Rest well and see you tomorrow!</a:t>
             </a:r>
+            <a:endParaRPr lang="en-US" dirty="0"/>
           </a:p>
         </p:txBody>
       </p:sp>
     </p:spTree>
-    <p:extLst>
-      <p:ext uri="{BB962C8B-B14F-4D97-AF65-F5344CB8AC3E}">
-        <p14:creationId xmlns:p14="http://schemas.microsoft.com/office/powerpoint/2010/main" val="2152606258"/>
-      </p:ext>
-    </p:extLst>
+  </p:cSld>
+  <p:clrMapOvr>
+    <a:masterClrMapping/>
+  </p:clrMapOvr>
+</p:sld>
+</file>
+
+<file path=ppt/slides/slide18.xml><?xml version="1.0" encoding="utf-8"?>
+<p:sld xmlns:a="http://schemas.openxmlformats.org/drawingml/2006/main" xmlns:r="http://schemas.openxmlformats.org/officeDocument/2006/relationships" xmlns:p="http://schemas.openxmlformats.org/presentationml/2006/main">
+  <p:cSld>
+    <p:spTree>
+      <p:nvGrpSpPr>
+        <p:cNvPr id="1" name=""/>
+        <p:cNvGrpSpPr/>
+        <p:nvPr/>
+      </p:nvGrpSpPr>
+      <p:grpSpPr>
+        <a:xfrm>
+          <a:off x="0" y="0"/>
+          <a:ext cx="0" cy="0"/>
+          <a:chOff x="0" y="0"/>
+          <a:chExt cx="0" cy="0"/>
+        </a:xfrm>
+      </p:grpSpPr>
+      <p:sp>
+        <p:nvSpPr>
+          <p:cNvPr id="2" name="Title 1"/>
+          <p:cNvSpPr>
+            <a:spLocks noGrp="1"/>
+          </p:cNvSpPr>
+          <p:nvPr>
+            <p:ph type="ctrTitle"/>
+          </p:nvPr>
+        </p:nvSpPr>
+        <p:spPr/>
+        <p:txBody>
+          <a:bodyPr/>
+          <a:lstStyle/>
+          <a:p>
+            <a:r>
+              <a:rPr lang="en-SG" altLang="en-GB" dirty="0"/>
+              <a:t>AI &amp; Sustain-a-bot prelude</a:t>
+            </a:r>
+            <a:endParaRPr lang="en-SG" altLang="en-GB" dirty="0"/>
+          </a:p>
+        </p:txBody>
+      </p:sp>
+    </p:spTree>
+  </p:cSld>
+  <p:clrMapOvr>
+    <a:masterClrMapping/>
+  </p:clrMapOvr>
+</p:sld>
+</file>
+
+<file path=ppt/slides/slide19.xml><?xml version="1.0" encoding="utf-8"?>
+<p:sld xmlns:a="http://schemas.openxmlformats.org/drawingml/2006/main" xmlns:r="http://schemas.openxmlformats.org/officeDocument/2006/relationships" xmlns:p="http://schemas.openxmlformats.org/presentationml/2006/main">
+  <p:cSld>
+    <p:spTree>
+      <p:nvGrpSpPr>
+        <p:cNvPr id="1" name=""/>
+        <p:cNvGrpSpPr/>
+        <p:nvPr/>
+      </p:nvGrpSpPr>
+      <p:grpSpPr/>
+      <p:sp>
+        <p:nvSpPr>
+          <p:cNvPr id="2" name="Title 1"/>
+          <p:cNvSpPr>
+            <a:spLocks noGrp="1"/>
+          </p:cNvSpPr>
+          <p:nvPr>
+            <p:ph type="title"/>
+          </p:nvPr>
+        </p:nvSpPr>
+        <p:spPr/>
+        <p:txBody>
+          <a:bodyPr/>
+          <a:p>
+            <a:r>
+              <a:rPr lang="en-SG" altLang="en-GB" dirty="0">
+                <a:sym typeface="+mn-ea"/>
+              </a:rPr>
+              <a:t>AI &amp; Sustain-a-bot</a:t>
+            </a:r>
+            <a:endParaRPr lang="en-US"/>
+          </a:p>
+        </p:txBody>
+      </p:sp>
+      <p:sp>
+        <p:nvSpPr>
+          <p:cNvPr id="3" name="Content Placeholder 2"/>
+          <p:cNvSpPr>
+            <a:spLocks noGrp="1"/>
+          </p:cNvSpPr>
+          <p:nvPr>
+            <p:ph idx="1"/>
+          </p:nvPr>
+        </p:nvSpPr>
+        <p:spPr/>
+        <p:txBody>
+          <a:bodyPr/>
+          <a:p>
+            <a:r>
+              <a:rPr lang="en-SG" altLang="en-US"/>
+              <a:t>We are going to introduce Aritificial Intelligence tomorrow</a:t>
+            </a:r>
+            <a:endParaRPr lang="en-SG" altLang="en-US"/>
+          </a:p>
+          <a:p>
+            <a:r>
+              <a:rPr lang="en-SG" altLang="en-US"/>
+              <a:t>By the end of tomorrow, you are going to craft a telegram bot that champions sustainability in Singapore. Your code has the power to make a real difference in shaping a greener, more resilient future for our city-state</a:t>
+            </a:r>
+            <a:endParaRPr lang="en-SG" altLang="en-US"/>
+          </a:p>
+          <a:p>
+            <a:r>
+              <a:rPr lang="en-SG" altLang="en-US"/>
+              <a:t>You can use all the concepts that have been covered during the workshop, i.e. Python, AI and Telegram Bot.</a:t>
+            </a:r>
+            <a:endParaRPr lang="en-SG" altLang="en-US"/>
+          </a:p>
+          <a:p>
+            <a:r>
+              <a:rPr lang="en-SG" altLang="en-US"/>
+              <a:t>What do you have in mind?</a:t>
+            </a:r>
+            <a:endParaRPr lang="en-SG" altLang="en-US"/>
+          </a:p>
+        </p:txBody>
+      </p:sp>
+    </p:spTree>
   </p:cSld>
   <p:clrMapOvr>
     <a:masterClrMapping/>
@@ -5454,13 +5469,7 @@
       </p:grpSpPr>
       <p:sp>
         <p:nvSpPr>
-          <p:cNvPr id="2" name="Title 1">
-            <a:extLst>
-              <a:ext uri="{FF2B5EF4-FFF2-40B4-BE49-F238E27FC236}">
-                <a16:creationId xmlns:a16="http://schemas.microsoft.com/office/drawing/2014/main" id="{9369B009-0722-4AE4-8F66-8DF2A68635F8}"/>
-              </a:ext>
-            </a:extLst>
-          </p:cNvPr>
+          <p:cNvPr id="2" name="Title 1"/>
           <p:cNvSpPr>
             <a:spLocks noGrp="1"/>
           </p:cNvSpPr>
@@ -5477,18 +5486,13 @@
               <a:rPr lang="en-US" dirty="0"/>
               <a:t>Before we start…</a:t>
             </a:r>
-          </a:p>
-        </p:txBody>
-      </p:sp>
-      <p:sp>
-        <p:nvSpPr>
-          <p:cNvPr id="5" name="Content Placeholder 4">
-            <a:extLst>
-              <a:ext uri="{FF2B5EF4-FFF2-40B4-BE49-F238E27FC236}">
-                <a16:creationId xmlns:a16="http://schemas.microsoft.com/office/drawing/2014/main" id="{BD0BD618-E325-5871-5A98-D410DE498F59}"/>
-              </a:ext>
-            </a:extLst>
-          </p:cNvPr>
+            <a:endParaRPr lang="en-US" dirty="0"/>
+          </a:p>
+        </p:txBody>
+      </p:sp>
+      <p:sp>
+        <p:nvSpPr>
+          <p:cNvPr id="5" name="Content Placeholder 4"/>
           <p:cNvSpPr>
             <a:spLocks noGrp="1"/>
           </p:cNvSpPr>
@@ -5505,6 +5509,7 @@
               <a:rPr lang="en-US" dirty="0"/>
               <a:t>Please make sure each table there is at least 1 laptop, raise up your hand if not</a:t>
             </a:r>
+            <a:endParaRPr lang="en-US" dirty="0"/>
           </a:p>
           <a:p>
             <a:r>
@@ -5520,11 +5525,6 @@
         </p:txBody>
       </p:sp>
     </p:spTree>
-    <p:extLst>
-      <p:ext uri="{BB962C8B-B14F-4D97-AF65-F5344CB8AC3E}">
-        <p14:creationId xmlns:p14="http://schemas.microsoft.com/office/powerpoint/2010/main" val="3422028494"/>
-      </p:ext>
-    </p:extLst>
   </p:cSld>
   <p:clrMapOvr>
     <a:masterClrMapping/>
@@ -5537,13 +5537,7 @@
   <p:cSld>
     <p:spTree>
       <p:nvGrpSpPr>
-        <p:cNvPr id="1" name="">
-          <a:extLst>
-            <a:ext uri="{FF2B5EF4-FFF2-40B4-BE49-F238E27FC236}">
-              <a16:creationId xmlns:a16="http://schemas.microsoft.com/office/drawing/2014/main" id="{EF3A5F76-2A6F-74CE-AA4B-EC04D8B77754}"/>
-            </a:ext>
-          </a:extLst>
-        </p:cNvPr>
+        <p:cNvPr id="1" name=""/>
         <p:cNvGrpSpPr/>
         <p:nvPr/>
       </p:nvGrpSpPr>
@@ -5557,13 +5551,7 @@
       </p:grpSpPr>
       <p:sp>
         <p:nvSpPr>
-          <p:cNvPr id="2" name="Title 1">
-            <a:extLst>
-              <a:ext uri="{FF2B5EF4-FFF2-40B4-BE49-F238E27FC236}">
-                <a16:creationId xmlns:a16="http://schemas.microsoft.com/office/drawing/2014/main" id="{D8A9D4FD-9F85-7C73-A1CE-9F468CEE6B9F}"/>
-              </a:ext>
-            </a:extLst>
-          </p:cNvPr>
+          <p:cNvPr id="2" name="Title 1"/>
           <p:cNvSpPr>
             <a:spLocks noGrp="1"/>
           </p:cNvSpPr>
@@ -5580,18 +5568,13 @@
               <a:rPr lang="en-US" dirty="0"/>
               <a:t>Please Download Material from</a:t>
             </a:r>
-          </a:p>
-        </p:txBody>
-      </p:sp>
-      <p:sp>
-        <p:nvSpPr>
-          <p:cNvPr id="3" name="Content Placeholder 2">
-            <a:extLst>
-              <a:ext uri="{FF2B5EF4-FFF2-40B4-BE49-F238E27FC236}">
-                <a16:creationId xmlns:a16="http://schemas.microsoft.com/office/drawing/2014/main" id="{D5856C38-1B67-86EF-EC02-DFF6C473078D}"/>
-              </a:ext>
-            </a:extLst>
-          </p:cNvPr>
+            <a:endParaRPr lang="en-US" dirty="0"/>
+          </a:p>
+        </p:txBody>
+      </p:sp>
+      <p:sp>
+        <p:nvSpPr>
+          <p:cNvPr id="3" name="Content Placeholder 2"/>
           <p:cNvSpPr>
             <a:spLocks noGrp="1"/>
           </p:cNvSpPr>
@@ -5623,11 +5606,6 @@
         </p:txBody>
       </p:sp>
     </p:spTree>
-    <p:extLst>
-      <p:ext uri="{BB962C8B-B14F-4D97-AF65-F5344CB8AC3E}">
-        <p14:creationId xmlns:p14="http://schemas.microsoft.com/office/powerpoint/2010/main" val="941867000"/>
-      </p:ext>
-    </p:extLst>
   </p:cSld>
   <p:clrMapOvr>
     <a:masterClrMapping/>
@@ -5711,30 +5689,35 @@
               <a:rPr lang="en-US" dirty="0"/>
               <a:t>Day 1</a:t>
             </a:r>
+            <a:endParaRPr lang="en-US" dirty="0"/>
           </a:p>
           <a:p>
             <a:r>
               <a:rPr lang="en-SG" dirty="0"/>
               <a:t>Icebreaker</a:t>
             </a:r>
+            <a:endParaRPr lang="en-SG" dirty="0"/>
           </a:p>
           <a:p>
             <a:r>
               <a:rPr lang="en-SG" dirty="0"/>
               <a:t>Basics of Python and Turtle</a:t>
             </a:r>
+            <a:endParaRPr lang="en-SG" dirty="0"/>
           </a:p>
           <a:p>
             <a:r>
               <a:rPr lang="en-SG" dirty="0"/>
               <a:t>Fun with API</a:t>
             </a:r>
+            <a:endParaRPr lang="en-SG" dirty="0"/>
           </a:p>
           <a:p>
             <a:r>
               <a:rPr lang="en-SG" dirty="0"/>
               <a:t>Introduction to Telegram Bot</a:t>
             </a:r>
+            <a:endParaRPr lang="en-SG" dirty="0"/>
           </a:p>
           <a:p>
             <a:endParaRPr lang="en-SG" dirty="0"/>
@@ -5747,14 +5730,15 @@
               <a:rPr lang="en-SG" dirty="0"/>
               <a:t>Day 2</a:t>
             </a:r>
-          </a:p>
-          <a:p>
-            <a:pPr marL="260092" marR="0" lvl="0" indent="-260092" algn="l" defTabSz="1300460" rtl="0" eaLnBrk="1" fontAlgn="auto" latinLnBrk="0" hangingPunct="1">
+            <a:endParaRPr lang="en-SG" dirty="0"/>
+          </a:p>
+          <a:p>
+            <a:pPr marL="260350" marR="0" lvl="0" indent="-260350" algn="l" defTabSz="1300480" rtl="0" eaLnBrk="1" fontAlgn="auto" latinLnBrk="0" hangingPunct="1">
               <a:lnSpc>
                 <a:spcPct val="90000"/>
               </a:lnSpc>
               <a:spcBef>
-                <a:spcPts val="1707"/>
+                <a:spcPts val="1705"/>
               </a:spcBef>
               <a:spcAft>
                 <a:spcPts val="0"/>
@@ -5765,13 +5749,12 @@
                 </a:srgbClr>
               </a:buClr>
               <a:buSzPct val="85000"/>
-              <a:buFont typeface="Wingdings" pitchFamily="2" charset="2"/>
+              <a:buFont typeface="Wingdings" panose="05000000000000000000" pitchFamily="2" charset="2"/>
               <a:buChar char="§"/>
-              <a:tabLst/>
               <a:defRPr/>
             </a:pPr>
             <a:r>
-              <a:rPr kumimoji="0" lang="en-SG" sz="2844" b="0" i="0" u="none" strike="noStrike" kern="1200" cap="none" spc="0" normalizeH="0" baseline="0" noProof="0" dirty="0">
+              <a:rPr kumimoji="0" lang="en-SG" sz="2845" b="0" i="0" u="none" strike="noStrike" kern="1200" cap="none" spc="0" normalizeH="0" baseline="0" noProof="0" dirty="0">
                 <a:ln>
                   <a:noFill/>
                 </a:ln>
@@ -5787,14 +5770,28 @@
               </a:rPr>
               <a:t>Introduction to Artificial Intelligence</a:t>
             </a:r>
-          </a:p>
-          <a:p>
-            <a:pPr marL="260092" marR="0" lvl="0" indent="-260092" algn="l" defTabSz="1300460" rtl="0" eaLnBrk="1" fontAlgn="auto" latinLnBrk="0" hangingPunct="1">
+            <a:endParaRPr kumimoji="0" lang="en-SG" sz="2845" b="0" i="0" u="none" strike="noStrike" kern="1200" cap="none" spc="0" normalizeH="0" baseline="0" noProof="0" dirty="0">
+              <a:ln>
+                <a:noFill/>
+              </a:ln>
+              <a:solidFill>
+                <a:prstClr val="black"/>
+              </a:solidFill>
+              <a:effectLst/>
+              <a:uLnTx/>
+              <a:uFillTx/>
+              <a:latin typeface="Rockwell" panose="02060603020205020403"/>
+              <a:ea typeface="+mn-ea"/>
+              <a:cs typeface="+mn-cs"/>
+            </a:endParaRPr>
+          </a:p>
+          <a:p>
+            <a:pPr marL="260350" marR="0" lvl="0" indent="-260350" algn="l" defTabSz="1300480" rtl="0" eaLnBrk="1" fontAlgn="auto" latinLnBrk="0" hangingPunct="1">
               <a:lnSpc>
                 <a:spcPct val="90000"/>
               </a:lnSpc>
               <a:spcBef>
-                <a:spcPts val="1707"/>
+                <a:spcPts val="1705"/>
               </a:spcBef>
               <a:spcAft>
                 <a:spcPts val="0"/>
@@ -5805,13 +5802,12 @@
                 </a:srgbClr>
               </a:buClr>
               <a:buSzPct val="85000"/>
-              <a:buFont typeface="Wingdings" pitchFamily="2" charset="2"/>
+              <a:buFont typeface="Wingdings" panose="05000000000000000000" pitchFamily="2" charset="2"/>
               <a:buChar char="§"/>
-              <a:tabLst/>
               <a:defRPr/>
             </a:pPr>
             <a:r>
-              <a:rPr kumimoji="0" lang="en-SG" sz="2844" b="0" i="0" u="none" strike="noStrike" kern="1200" cap="none" spc="0" normalizeH="0" baseline="0" noProof="0" dirty="0">
+              <a:rPr kumimoji="0" lang="en-SG" sz="2845" b="0" i="0" u="none" strike="noStrike" kern="1200" cap="none" spc="0" normalizeH="0" baseline="0" noProof="0" dirty="0">
                 <a:ln>
                   <a:noFill/>
                 </a:ln>
@@ -5827,12 +5823,27 @@
               </a:rPr>
               <a:t>Bring it All Together – Telegram Bot + AI</a:t>
             </a:r>
+            <a:endParaRPr kumimoji="0" lang="en-SG" sz="2845" b="0" i="0" u="none" strike="noStrike" kern="1200" cap="none" spc="0" normalizeH="0" baseline="0" noProof="0" dirty="0">
+              <a:ln>
+                <a:noFill/>
+              </a:ln>
+              <a:solidFill>
+                <a:prstClr val="black"/>
+              </a:solidFill>
+              <a:effectLst/>
+              <a:uLnTx/>
+              <a:uFillTx/>
+              <a:latin typeface="Rockwell" panose="02060603020205020403"/>
+              <a:ea typeface="+mn-ea"/>
+              <a:cs typeface="+mn-cs"/>
+            </a:endParaRPr>
           </a:p>
           <a:p>
             <a:r>
               <a:rPr lang="en-SG" dirty="0"/>
               <a:t>Mini-game</a:t>
             </a:r>
+            <a:endParaRPr lang="en-SG" dirty="0"/>
           </a:p>
           <a:p>
             <a:endParaRPr lang="en-US" dirty="0"/>
@@ -5857,11 +5868,6 @@
           <a:prstGeom prst="rect">
             <a:avLst/>
           </a:prstGeom>
-          <a:extLst>
-            <a:ext uri="{C572A759-6A51-4108-AA02-DFA0A04FC94B}">
-              <ma14:wrappingTextBoxFlag xmlns="" xmlns:m="http://schemas.openxmlformats.org/officeDocument/2006/math" xmlns:a14="http://schemas.microsoft.com/office/drawing/2010/main" xmlns:ma14="http://schemas.microsoft.com/office/mac/drawingml/2011/main" val="1"/>
-            </a:ext>
-          </a:extLst>
         </p:spPr>
         <p:txBody>
           <a:bodyPr/>
@@ -5869,7 +5875,6 @@
           <a:p>
             <a:fld id="{86CB4B4D-7CA3-9044-876B-883B54F8677D}" type="slidenum">
               <a:rPr/>
-              <a:t>4</a:t>
             </a:fld>
             <a:endParaRPr/>
           </a:p>
@@ -5903,13 +5908,7 @@
       </p:grpSpPr>
       <p:sp>
         <p:nvSpPr>
-          <p:cNvPr id="2" name="Title 1">
-            <a:extLst>
-              <a:ext uri="{FF2B5EF4-FFF2-40B4-BE49-F238E27FC236}">
-                <a16:creationId xmlns:a16="http://schemas.microsoft.com/office/drawing/2014/main" id="{F43DC962-0C11-87F5-F93B-20276AAC1FB1}"/>
-              </a:ext>
-            </a:extLst>
-          </p:cNvPr>
+          <p:cNvPr id="2" name="Title 1"/>
           <p:cNvSpPr>
             <a:spLocks noGrp="1"/>
           </p:cNvSpPr>
@@ -5932,13 +5931,7 @@
       </p:sp>
       <p:sp>
         <p:nvSpPr>
-          <p:cNvPr id="3" name="Content Placeholder 2">
-            <a:extLst>
-              <a:ext uri="{FF2B5EF4-FFF2-40B4-BE49-F238E27FC236}">
-                <a16:creationId xmlns:a16="http://schemas.microsoft.com/office/drawing/2014/main" id="{BA5E18BD-AA16-B16F-255A-E13A776F9CD4}"/>
-              </a:ext>
-            </a:extLst>
-          </p:cNvPr>
+          <p:cNvPr id="3" name="Content Placeholder 2"/>
           <p:cNvSpPr>
             <a:spLocks noGrp="1"/>
           </p:cNvSpPr>
@@ -5957,7 +5950,7 @@
             </a:r>
             <a:r>
               <a:rPr lang="en-SG" dirty="0">
-                <a:hlinkClick r:id="rId2"/>
+                <a:hlinkClick r:id="rId1"/>
               </a:rPr>
               <a:t>www.menti.com</a:t>
             </a:r>
@@ -5973,11 +5966,6 @@
         </p:txBody>
       </p:sp>
     </p:spTree>
-    <p:extLst>
-      <p:ext uri="{BB962C8B-B14F-4D97-AF65-F5344CB8AC3E}">
-        <p14:creationId xmlns:p14="http://schemas.microsoft.com/office/powerpoint/2010/main" val="1515991327"/>
-      </p:ext>
-    </p:extLst>
   </p:cSld>
   <p:clrMapOvr>
     <a:masterClrMapping/>
@@ -6021,15 +6009,11 @@
               <a:rPr lang="en-US" dirty="0"/>
               <a:t>Python Basics</a:t>
             </a:r>
+            <a:endParaRPr lang="en-US" dirty="0"/>
           </a:p>
         </p:txBody>
       </p:sp>
     </p:spTree>
-    <p:extLst>
-      <p:ext uri="{BB962C8B-B14F-4D97-AF65-F5344CB8AC3E}">
-        <p14:creationId xmlns:p14="http://schemas.microsoft.com/office/powerpoint/2010/main" val="3619330487"/>
-      </p:ext>
-    </p:extLst>
   </p:cSld>
   <p:clrMapOvr>
     <a:masterClrMapping/>
@@ -6073,18 +6057,13 @@
               <a:rPr lang="en-US" dirty="0"/>
               <a:t>Python basics</a:t>
             </a:r>
-          </a:p>
-        </p:txBody>
-      </p:sp>
-      <p:sp>
-        <p:nvSpPr>
-          <p:cNvPr id="5" name="Content Placeholder 4">
-            <a:extLst>
-              <a:ext uri="{FF2B5EF4-FFF2-40B4-BE49-F238E27FC236}">
-                <a16:creationId xmlns:a16="http://schemas.microsoft.com/office/drawing/2014/main" id="{671AD35F-3F08-E24B-6B07-3EB1E7B89E59}"/>
-              </a:ext>
-            </a:extLst>
-          </p:cNvPr>
+            <a:endParaRPr lang="en-US" dirty="0"/>
+          </a:p>
+        </p:txBody>
+      </p:sp>
+      <p:sp>
+        <p:nvSpPr>
+          <p:cNvPr id="5" name="Content Placeholder 4"/>
           <p:cNvSpPr>
             <a:spLocks noGrp="1"/>
           </p:cNvSpPr>
@@ -6112,7 +6091,7 @@
             </a:r>
             <a:r>
               <a:rPr lang="en-US" dirty="0">
-                <a:hlinkClick r:id="rId3"/>
+                <a:hlinkClick r:id="rId1"/>
               </a:rPr>
               <a:t>https://colab.research.google.com/drive/19P2rzAD8tsCksJX1o4gFYQp-VLQf9EQH_?usp=sharing</a:t>
             </a:r>
@@ -6161,11 +6140,6 @@
         </p:txBody>
       </p:sp>
     </p:spTree>
-    <p:extLst>
-      <p:ext uri="{BB962C8B-B14F-4D97-AF65-F5344CB8AC3E}">
-        <p14:creationId xmlns:p14="http://schemas.microsoft.com/office/powerpoint/2010/main" val="3723527438"/>
-      </p:ext>
-    </p:extLst>
   </p:cSld>
   <p:clrMapOvr>
     <a:masterClrMapping/>
@@ -6220,11 +6194,6 @@
         </p:txBody>
       </p:sp>
     </p:spTree>
-    <p:extLst>
-      <p:ext uri="{BB962C8B-B14F-4D97-AF65-F5344CB8AC3E}">
-        <p14:creationId xmlns:p14="http://schemas.microsoft.com/office/powerpoint/2010/main" val="4060272472"/>
-      </p:ext>
-    </p:extLst>
   </p:cSld>
   <p:clrMapOvr>
     <a:masterClrMapping/>
@@ -6237,13 +6206,7 @@
   <p:cSld>
     <p:spTree>
       <p:nvGrpSpPr>
-        <p:cNvPr id="1" name="">
-          <a:extLst>
-            <a:ext uri="{FF2B5EF4-FFF2-40B4-BE49-F238E27FC236}">
-              <a16:creationId xmlns:a16="http://schemas.microsoft.com/office/drawing/2014/main" id="{6E40D503-DF64-2C76-3BBD-A957335BD4CC}"/>
-            </a:ext>
-          </a:extLst>
-        </p:cNvPr>
+        <p:cNvPr id="1" name=""/>
         <p:cNvGrpSpPr/>
         <p:nvPr/>
       </p:nvGrpSpPr>
@@ -6257,13 +6220,7 @@
       </p:grpSpPr>
       <p:sp>
         <p:nvSpPr>
-          <p:cNvPr id="2" name="Title 1">
-            <a:extLst>
-              <a:ext uri="{FF2B5EF4-FFF2-40B4-BE49-F238E27FC236}">
-                <a16:creationId xmlns:a16="http://schemas.microsoft.com/office/drawing/2014/main" id="{F78334D1-92EE-DD2E-F5F7-7956580BBA0A}"/>
-              </a:ext>
-            </a:extLst>
-          </p:cNvPr>
+          <p:cNvPr id="2" name="Title 1"/>
           <p:cNvSpPr>
             <a:spLocks noGrp="1"/>
           </p:cNvSpPr>
@@ -6280,15 +6237,11 @@
               <a:rPr lang="en-US" dirty="0"/>
               <a:t>Fun with API</a:t>
             </a:r>
+            <a:endParaRPr lang="en-US" dirty="0"/>
           </a:p>
         </p:txBody>
       </p:sp>
     </p:spTree>
-    <p:extLst>
-      <p:ext uri="{BB962C8B-B14F-4D97-AF65-F5344CB8AC3E}">
-        <p14:creationId xmlns:p14="http://schemas.microsoft.com/office/powerpoint/2010/main" val="45023949"/>
-      </p:ext>
-    </p:extLst>
   </p:cSld>
   <p:clrMapOvr>
     <a:masterClrMapping/>
@@ -6339,7 +6292,7 @@
     </a:clrScheme>
     <a:fontScheme name="Wood Type">
       <a:majorFont>
-        <a:latin typeface="Rockwell Condensed" panose="02060603050405020104"/>
+        <a:latin typeface="Rockwell Condensed"/>
         <a:ea typeface=""/>
         <a:cs typeface=""/>
         <a:font script="Grek" typeface="Cambria"/>
@@ -6375,7 +6328,7 @@
         <a:font script="Uigh" typeface="Microsoft Uighur"/>
       </a:majorFont>
       <a:minorFont>
-        <a:latin typeface="Rockwell" panose="02060603020205020403"/>
+        <a:latin typeface="Rockwell"/>
         <a:ea typeface=""/>
         <a:cs typeface=""/>
         <a:font script="Grek" typeface="Cambria"/>
@@ -6515,11 +6468,9 @@
       </a:bgFillStyleLst>
     </a:fmtScheme>
   </a:themeElements>
-  <a:objectDefaults/>
-  <a:extraClrSchemeLst/>
   <a:extLst>
     <a:ext uri="{05A4C25C-085E-4340-85A3-A5531E510DB2}">
-      <thm15:themeFamily xmlns:thm15="http://schemas.microsoft.com/office/thememl/2012/main" name="Wood Type" id="{7ACABC62-BF99-48CF-A9DC-4DB89C7B13DC}" vid="{142A1326-48AB-42A9-8428-CB14AA30176D}"/>
+      <thm15:themeFamily xmlns:thm15="http://schemas.microsoft.com/office/thememl/2012/main" name="Office Theme" id="{62F939B6-93AF-4DB8-9C6B-D6C7DFDC589F}" vid="{4A3C46E8-61CC-4603-A589-7422A47A8E4A}"/>
     </a:ext>
   </a:extLst>
 </a:theme>
@@ -6722,8 +6673,6 @@
           <a:noFill/>
           <a:miter lim="400000"/>
         </a:ln>
-        <a:effectLst/>
-        <a:sp3d/>
       </a:spPr>
       <a:bodyPr rot="0" spcFirstLastPara="1" vertOverflow="overflow" horzOverflow="overflow" vert="horz" wrap="square" lIns="50800" tIns="50800" rIns="50800" bIns="50800" numCol="1" spcCol="38100" rtlCol="0" anchor="ctr">
         <a:spAutoFit/>
@@ -6743,7 +6692,6 @@
           <a:buSzTx/>
           <a:buFontTx/>
           <a:buNone/>
-          <a:tabLst/>
           <a:defRPr kumimoji="0" sz="2200" b="0" i="0" u="none" strike="noStrike" cap="none" spc="0" normalizeH="0" baseline="0">
             <a:ln>
               <a:noFill/>
@@ -6773,7 +6721,6 @@
           <a:buSzTx/>
           <a:buFontTx/>
           <a:buNone/>
-          <a:tabLst/>
           <a:defRPr kumimoji="0" sz="1800" b="0" i="0" u="none" strike="noStrike" cap="none" spc="0" normalizeH="0" baseline="0">
             <a:ln>
               <a:noFill/>
@@ -6799,7 +6746,6 @@
           <a:buSzTx/>
           <a:buFontTx/>
           <a:buNone/>
-          <a:tabLst/>
           <a:defRPr kumimoji="0" sz="1800" b="0" i="0" u="none" strike="noStrike" cap="none" spc="0" normalizeH="0" baseline="0">
             <a:ln>
               <a:noFill/>
@@ -6825,7 +6771,6 @@
           <a:buSzTx/>
           <a:buFontTx/>
           <a:buNone/>
-          <a:tabLst/>
           <a:defRPr kumimoji="0" sz="1800" b="0" i="0" u="none" strike="noStrike" cap="none" spc="0" normalizeH="0" baseline="0">
             <a:ln>
               <a:noFill/>
@@ -6851,7 +6796,6 @@
           <a:buSzTx/>
           <a:buFontTx/>
           <a:buNone/>
-          <a:tabLst/>
           <a:defRPr kumimoji="0" sz="1800" b="0" i="0" u="none" strike="noStrike" cap="none" spc="0" normalizeH="0" baseline="0">
             <a:ln>
               <a:noFill/>
@@ -6877,7 +6821,6 @@
           <a:buSzTx/>
           <a:buFontTx/>
           <a:buNone/>
-          <a:tabLst/>
           <a:defRPr kumimoji="0" sz="1800" b="0" i="0" u="none" strike="noStrike" cap="none" spc="0" normalizeH="0" baseline="0">
             <a:ln>
               <a:noFill/>
@@ -6903,7 +6846,6 @@
           <a:buSzTx/>
           <a:buFontTx/>
           <a:buNone/>
-          <a:tabLst/>
           <a:defRPr kumimoji="0" sz="1800" b="0" i="0" u="none" strike="noStrike" cap="none" spc="0" normalizeH="0" baseline="0">
             <a:ln>
               <a:noFill/>
@@ -6929,7 +6871,6 @@
           <a:buSzTx/>
           <a:buFontTx/>
           <a:buNone/>
-          <a:tabLst/>
           <a:defRPr kumimoji="0" sz="1800" b="0" i="0" u="none" strike="noStrike" cap="none" spc="0" normalizeH="0" baseline="0">
             <a:ln>
               <a:noFill/>
@@ -6955,7 +6896,6 @@
           <a:buSzTx/>
           <a:buFontTx/>
           <a:buNone/>
-          <a:tabLst/>
           <a:defRPr kumimoji="0" sz="1800" b="0" i="0" u="none" strike="noStrike" cap="none" spc="0" normalizeH="0" baseline="0">
             <a:ln>
               <a:noFill/>
@@ -6981,7 +6921,6 @@
           <a:buSzTx/>
           <a:buFontTx/>
           <a:buNone/>
-          <a:tabLst/>
           <a:defRPr kumimoji="0" sz="1800" b="0" i="0" u="none" strike="noStrike" cap="none" spc="0" normalizeH="0" baseline="0">
             <a:ln>
               <a:noFill/>
@@ -7017,8 +6956,6 @@
           <a:prstDash val="solid"/>
           <a:miter lim="400000"/>
         </a:ln>
-        <a:effectLst/>
-        <a:sp3d/>
       </a:spPr>
       <a:bodyPr rot="0" spcFirstLastPara="1" vertOverflow="overflow" horzOverflow="overflow" vert="horz" wrap="square" lIns="91439" tIns="45719" rIns="91439" bIns="45719" numCol="1" spcCol="38100" rtlCol="0" anchor="t">
         <a:noAutofit/>
@@ -7038,7 +6975,6 @@
           <a:buSzTx/>
           <a:buFontTx/>
           <a:buNone/>
-          <a:tabLst/>
           <a:defRPr kumimoji="0" sz="1800" b="0" i="0" u="none" strike="noStrike" cap="none" spc="0" normalizeH="0" baseline="0">
             <a:ln>
               <a:noFill/>
@@ -7064,7 +7000,6 @@
           <a:buSzTx/>
           <a:buFontTx/>
           <a:buNone/>
-          <a:tabLst/>
           <a:defRPr kumimoji="0" sz="1800" b="0" i="0" u="none" strike="noStrike" cap="none" spc="0" normalizeH="0" baseline="0">
             <a:ln>
               <a:noFill/>
@@ -7090,7 +7025,6 @@
           <a:buSzTx/>
           <a:buFontTx/>
           <a:buNone/>
-          <a:tabLst/>
           <a:defRPr kumimoji="0" sz="1800" b="0" i="0" u="none" strike="noStrike" cap="none" spc="0" normalizeH="0" baseline="0">
             <a:ln>
               <a:noFill/>
@@ -7116,7 +7050,6 @@
           <a:buSzTx/>
           <a:buFontTx/>
           <a:buNone/>
-          <a:tabLst/>
           <a:defRPr kumimoji="0" sz="1800" b="0" i="0" u="none" strike="noStrike" cap="none" spc="0" normalizeH="0" baseline="0">
             <a:ln>
               <a:noFill/>
@@ -7142,7 +7075,6 @@
           <a:buSzTx/>
           <a:buFontTx/>
           <a:buNone/>
-          <a:tabLst/>
           <a:defRPr kumimoji="0" sz="1800" b="0" i="0" u="none" strike="noStrike" cap="none" spc="0" normalizeH="0" baseline="0">
             <a:ln>
               <a:noFill/>
@@ -7168,7 +7100,6 @@
           <a:buSzTx/>
           <a:buFontTx/>
           <a:buNone/>
-          <a:tabLst/>
           <a:defRPr kumimoji="0" sz="1800" b="0" i="0" u="none" strike="noStrike" cap="none" spc="0" normalizeH="0" baseline="0">
             <a:ln>
               <a:noFill/>
@@ -7194,7 +7125,6 @@
           <a:buSzTx/>
           <a:buFontTx/>
           <a:buNone/>
-          <a:tabLst/>
           <a:defRPr kumimoji="0" sz="1800" b="0" i="0" u="none" strike="noStrike" cap="none" spc="0" normalizeH="0" baseline="0">
             <a:ln>
               <a:noFill/>
@@ -7220,7 +7150,6 @@
           <a:buSzTx/>
           <a:buFontTx/>
           <a:buNone/>
-          <a:tabLst/>
           <a:defRPr kumimoji="0" sz="1800" b="0" i="0" u="none" strike="noStrike" cap="none" spc="0" normalizeH="0" baseline="0">
             <a:ln>
               <a:noFill/>
@@ -7246,7 +7175,6 @@
           <a:buSzTx/>
           <a:buFontTx/>
           <a:buNone/>
-          <a:tabLst/>
           <a:defRPr kumimoji="0" sz="1800" b="0" i="0" u="none" strike="noStrike" cap="none" spc="0" normalizeH="0" baseline="0">
             <a:ln>
               <a:noFill/>
@@ -7272,7 +7200,6 @@
           <a:buSzTx/>
           <a:buFontTx/>
           <a:buNone/>
-          <a:tabLst/>
           <a:defRPr kumimoji="0" sz="1800" b="0" i="0" u="none" strike="noStrike" cap="none" spc="0" normalizeH="0" baseline="0">
             <a:ln>
               <a:noFill/>
@@ -7305,8 +7232,6 @@
           <a:noFill/>
           <a:miter lim="400000"/>
         </a:ln>
-        <a:effectLst/>
-        <a:sp3d/>
       </a:spPr>
       <a:bodyPr rot="0" spcFirstLastPara="1" vertOverflow="overflow" horzOverflow="overflow" vert="horz" wrap="square" lIns="50800" tIns="50800" rIns="50800" bIns="50800" numCol="1" spcCol="38100" rtlCol="0" anchor="ctr">
         <a:spAutoFit/>
@@ -7326,7 +7251,6 @@
           <a:buSzTx/>
           <a:buFontTx/>
           <a:buNone/>
-          <a:tabLst/>
           <a:defRPr kumimoji="0" sz="2400" b="1" i="0" u="none" strike="noStrike" cap="none" spc="0" normalizeH="0" baseline="0">
             <a:ln>
               <a:noFill/>
@@ -7356,7 +7280,6 @@
           <a:buSzTx/>
           <a:buFontTx/>
           <a:buNone/>
-          <a:tabLst/>
           <a:defRPr kumimoji="0" sz="1800" b="0" i="0" u="none" strike="noStrike" cap="none" spc="0" normalizeH="0" baseline="0">
             <a:ln>
               <a:noFill/>
@@ -7382,7 +7305,6 @@
           <a:buSzTx/>
           <a:buFontTx/>
           <a:buNone/>
-          <a:tabLst/>
           <a:defRPr kumimoji="0" sz="1800" b="0" i="0" u="none" strike="noStrike" cap="none" spc="0" normalizeH="0" baseline="0">
             <a:ln>
               <a:noFill/>
@@ -7408,7 +7330,6 @@
           <a:buSzTx/>
           <a:buFontTx/>
           <a:buNone/>
-          <a:tabLst/>
           <a:defRPr kumimoji="0" sz="1800" b="0" i="0" u="none" strike="noStrike" cap="none" spc="0" normalizeH="0" baseline="0">
             <a:ln>
               <a:noFill/>
@@ -7434,7 +7355,6 @@
           <a:buSzTx/>
           <a:buFontTx/>
           <a:buNone/>
-          <a:tabLst/>
           <a:defRPr kumimoji="0" sz="1800" b="0" i="0" u="none" strike="noStrike" cap="none" spc="0" normalizeH="0" baseline="0">
             <a:ln>
               <a:noFill/>
@@ -7460,7 +7380,6 @@
           <a:buSzTx/>
           <a:buFontTx/>
           <a:buNone/>
-          <a:tabLst/>
           <a:defRPr kumimoji="0" sz="1800" b="0" i="0" u="none" strike="noStrike" cap="none" spc="0" normalizeH="0" baseline="0">
             <a:ln>
               <a:noFill/>
@@ -7486,7 +7405,6 @@
           <a:buSzTx/>
           <a:buFontTx/>
           <a:buNone/>
-          <a:tabLst/>
           <a:defRPr kumimoji="0" sz="1800" b="0" i="0" u="none" strike="noStrike" cap="none" spc="0" normalizeH="0" baseline="0">
             <a:ln>
               <a:noFill/>
@@ -7512,7 +7430,6 @@
           <a:buSzTx/>
           <a:buFontTx/>
           <a:buNone/>
-          <a:tabLst/>
           <a:defRPr kumimoji="0" sz="1800" b="0" i="0" u="none" strike="noStrike" cap="none" spc="0" normalizeH="0" baseline="0">
             <a:ln>
               <a:noFill/>
@@ -7538,7 +7455,6 @@
           <a:buSzTx/>
           <a:buFontTx/>
           <a:buNone/>
-          <a:tabLst/>
           <a:defRPr kumimoji="0" sz="1800" b="0" i="0" u="none" strike="noStrike" cap="none" spc="0" normalizeH="0" baseline="0">
             <a:ln>
               <a:noFill/>
@@ -7564,7 +7480,6 @@
           <a:buSzTx/>
           <a:buFontTx/>
           <a:buNone/>
-          <a:tabLst/>
           <a:defRPr kumimoji="0" sz="1800" b="0" i="0" u="none" strike="noStrike" cap="none" spc="0" normalizeH="0" baseline="0">
             <a:ln>
               <a:noFill/>
@@ -7591,7 +7506,11 @@
       </a:style>
     </a:txDef>
   </a:objectDefaults>
-  <a:extraClrSchemeLst/>
+  <a:extLst>
+    <a:ext uri="{05A4C25C-085E-4340-85A3-A5531E510DB2}">
+      <thm15:themeFamily xmlns:thm15="http://schemas.microsoft.com/office/thememl/2012/main" name="Office Theme" id="{62F939B6-93AF-4DB8-9C6B-D6C7DFDC589F}" vid="{4A3C46E8-61CC-4603-A589-7422A47A8E4A}"/>
+    </a:ext>
+  </a:extLst>
 </a:theme>
 </file>
 
@@ -7604,15 +7523,6 @@
 
 <file path=customXml/itemProps1.xml><?xml version="1.0" encoding="utf-8"?>
 <ds:datastoreItem xmlns:ds="http://schemas.openxmlformats.org/officeDocument/2006/customXml" ds:itemID="{15F04E33-FEA4-4C0D-BF65-24ED79B91B5B}">
-  <ds:schemaRefs>
-    <ds:schemaRef ds:uri="http://schemas.titus.com/TitusProperties/"/>
-    <ds:schemaRef ds:uri=""/>
-  </ds:schemaRefs>
+  <ds:schemaRefs/>
 </ds:datastoreItem>
-</file>
-
-<file path=docMetadata/LabelInfo.xml><?xml version="1.0" encoding="utf-8"?>
-<clbl:labelList xmlns:clbl="http://schemas.microsoft.com/office/2020/mipLabelMetadata">
-  <clbl:label id="{a64882d5-5c68-43ae-b974-91da18426e9b}" enabled="1" method="Standard" siteId="{38651f6f-836b-4bdf-9615-4e255c290fea}" contentBits="0" removed="0"/>
-</clbl:labelList>
 </file>